--- a/r-docker-cheatsheet/r-docker-cheatsheet.pptx
+++ b/r-docker-cheatsheet/r-docker-cheatsheet.pptx
@@ -2986,14 +2986,14 @@
           <p:nvPr>
             <p:extLst>
               <p:ext uri="{D42A27DB-BD31-4B8C-83A1-F6EECF244321}">
-                <p14:modId xmlns:p14="http://schemas.microsoft.com/office/powerpoint/2010/main" val="3203306043"/>
+                <p14:modId xmlns:p14="http://schemas.microsoft.com/office/powerpoint/2010/main" val="1376834593"/>
               </p:ext>
             </p:extLst>
           </p:nvPr>
         </p:nvGraphicFramePr>
         <p:xfrm>
           <a:off x="3303838" y="3524667"/>
-          <a:ext cx="6360396" cy="1701712"/>
+          <a:ext cx="6360396" cy="1701711"/>
         </p:xfrm>
         <a:graphic>
           <a:graphicData uri="http://schemas.openxmlformats.org/drawingml/2006/table">
@@ -3617,7 +3617,7 @@
                   </a:ext>
                 </a:extLst>
               </a:tr>
-              <a:tr h="421500">
+              <a:tr h="379723">
                 <a:tc>
                   <a:txBody>
                     <a:bodyPr/>
@@ -3857,7 +3857,7 @@
                   </a:ext>
                 </a:extLst>
               </a:tr>
-              <a:tr h="358835">
+              <a:tr h="379723">
                 <a:tc>
                   <a:txBody>
                     <a:bodyPr/>
@@ -4124,7 +4124,7 @@
                   </a:ext>
                 </a:extLst>
               </a:tr>
-              <a:tr h="358835">
+              <a:tr h="379723">
                 <a:tc>
                   <a:txBody>
                     <a:bodyPr/>

--- a/r-docker-cheatsheet/r-docker-cheatsheet.pptx
+++ b/r-docker-cheatsheet/r-docker-cheatsheet.pptx
@@ -2986,14 +2986,14 @@
           <p:nvPr>
             <p:extLst>
               <p:ext uri="{D42A27DB-BD31-4B8C-83A1-F6EECF244321}">
-                <p14:modId xmlns:p14="http://schemas.microsoft.com/office/powerpoint/2010/main" val="1376834593"/>
+                <p14:modId xmlns:p14="http://schemas.microsoft.com/office/powerpoint/2010/main" val="598926693"/>
               </p:ext>
             </p:extLst>
           </p:nvPr>
         </p:nvGraphicFramePr>
         <p:xfrm>
-          <a:off x="3303838" y="3524667"/>
-          <a:ext cx="6360396" cy="1701711"/>
+          <a:off x="2905253" y="3980219"/>
+          <a:ext cx="6752868" cy="1213475"/>
         </p:xfrm>
         <a:graphic>
           <a:graphicData uri="http://schemas.openxmlformats.org/drawingml/2006/table">
@@ -3002,42 +3002,42 @@
                 <a:tableStyleId>{5940675A-B579-460E-94D1-54222C63F5DA}</a:tableStyleId>
               </a:tblPr>
               <a:tblGrid>
-                <a:gridCol w="1060066">
+                <a:gridCol w="1125478">
                   <a:extLst>
                     <a:ext uri="{9D8B030D-6E8A-4147-A177-3AD203B41FA5}">
                       <a16:colId xmlns:a16="http://schemas.microsoft.com/office/drawing/2014/main" val="254381915"/>
                     </a:ext>
                   </a:extLst>
                 </a:gridCol>
-                <a:gridCol w="1060066">
+                <a:gridCol w="1125478">
                   <a:extLst>
                     <a:ext uri="{9D8B030D-6E8A-4147-A177-3AD203B41FA5}">
                       <a16:colId xmlns:a16="http://schemas.microsoft.com/office/drawing/2014/main" val="4083587775"/>
                     </a:ext>
                   </a:extLst>
                 </a:gridCol>
-                <a:gridCol w="1060066">
+                <a:gridCol w="1125478">
                   <a:extLst>
                     <a:ext uri="{9D8B030D-6E8A-4147-A177-3AD203B41FA5}">
                       <a16:colId xmlns:a16="http://schemas.microsoft.com/office/drawing/2014/main" val="2554840950"/>
                     </a:ext>
                   </a:extLst>
                 </a:gridCol>
-                <a:gridCol w="1060066">
+                <a:gridCol w="1125478">
                   <a:extLst>
                     <a:ext uri="{9D8B030D-6E8A-4147-A177-3AD203B41FA5}">
                       <a16:colId xmlns:a16="http://schemas.microsoft.com/office/drawing/2014/main" val="1390180869"/>
                     </a:ext>
                   </a:extLst>
                 </a:gridCol>
-                <a:gridCol w="1060066">
+                <a:gridCol w="1125478">
                   <a:extLst>
                     <a:ext uri="{9D8B030D-6E8A-4147-A177-3AD203B41FA5}">
                       <a16:colId xmlns:a16="http://schemas.microsoft.com/office/drawing/2014/main" val="4124837353"/>
                     </a:ext>
                   </a:extLst>
                 </a:gridCol>
-                <a:gridCol w="1060066">
+                <a:gridCol w="1125478">
                   <a:extLst>
                     <a:ext uri="{9D8B030D-6E8A-4147-A177-3AD203B41FA5}">
                       <a16:colId xmlns:a16="http://schemas.microsoft.com/office/drawing/2014/main" val="2548146913"/>
@@ -3045,7 +3045,7 @@
                   </a:extLst>
                 </a:gridCol>
               </a:tblGrid>
-              <a:tr h="187514">
+              <a:tr h="161889">
                 <a:tc rowSpan="2">
                   <a:txBody>
                     <a:bodyPr/>
@@ -3228,7 +3228,7 @@
                   </a:ext>
                 </a:extLst>
               </a:tr>
-              <a:tr h="187514">
+              <a:tr h="161889">
                 <a:tc vMerge="1">
                   <a:txBody>
                     <a:bodyPr/>
@@ -3465,7 +3465,7 @@
                   </a:ext>
                 </a:extLst>
               </a:tr>
-              <a:tr h="187514">
+              <a:tr h="161889">
                 <a:tc>
                   <a:txBody>
                     <a:bodyPr/>
@@ -3617,7 +3617,7 @@
                   </a:ext>
                 </a:extLst>
               </a:tr>
-              <a:tr h="379723">
+              <a:tr h="316406">
                 <a:tc>
                   <a:txBody>
                     <a:bodyPr/>
@@ -3628,7 +3628,7 @@
                         <a:rPr lang="en-US" sz="1100" b="1" u="none" strike="noStrike" dirty="0">
                           <a:effectLst/>
                         </a:rPr>
-                        <a:t>default repo </a:t>
+                        <a:t>repo install2.r or </a:t>
                       </a:r>
                       <a:r>
                         <a:rPr lang="en-US" sz="1100" b="1" u="none" strike="noStrike" dirty="0" err="1">
@@ -3741,7 +3741,7 @@
                         <a:rPr lang="en-US" sz="1100" u="none" strike="noStrike" dirty="0">
                           <a:effectLst/>
                         </a:rPr>
-                        <a:t>default (</a:t>
+                        <a:t>CRAN (</a:t>
                       </a:r>
                       <a:r>
                         <a:rPr lang="en-US" sz="1100" u="none" strike="noStrike" dirty="0">
@@ -3857,274 +3857,7 @@
                   </a:ext>
                 </a:extLst>
               </a:tr>
-              <a:tr h="379723">
-                <a:tc>
-                  <a:txBody>
-                    <a:bodyPr/>
-                    <a:lstStyle/>
-                    <a:p>
-                      <a:pPr algn="ctr" rtl="0" fontAlgn="ctr"/>
-                      <a:r>
-                        <a:rPr lang="en-US" sz="1100" b="1" i="0" u="none" strike="noStrike" dirty="0">
-                          <a:solidFill>
-                            <a:schemeClr val="tx1"/>
-                          </a:solidFill>
-                          <a:effectLst/>
-                          <a:latin typeface="Calibri" panose="020F0502020204030204" pitchFamily="34" charset="0"/>
-                        </a:rPr>
-                        <a:t>default install2.r behavior</a:t>
-                      </a:r>
-                    </a:p>
-                  </a:txBody>
-                  <a:tcPr marL="7999" marR="7999" marT="7999" marB="0" anchor="ctr"/>
-                </a:tc>
-                <a:tc>
-                  <a:txBody>
-                    <a:bodyPr/>
-                    <a:lstStyle/>
-                    <a:p>
-                      <a:pPr algn="ctr" rtl="0" fontAlgn="ctr"/>
-                      <a:r>
-                        <a:rPr lang="en-US" sz="1100" b="0" i="0" u="none" strike="noStrike" dirty="0">
-                          <a:solidFill>
-                            <a:srgbClr val="000000"/>
-                          </a:solidFill>
-                          <a:effectLst/>
-                          <a:latin typeface="Calibri" panose="020F0502020204030204" pitchFamily="34" charset="0"/>
-                        </a:rPr>
-                        <a:t>RSPM (</a:t>
-                      </a:r>
-                      <a:r>
-                        <a:rPr lang="en-US" sz="1100" b="0" i="0" u="none" strike="noStrike" dirty="0">
-                          <a:solidFill>
-                            <a:schemeClr val="accent6">
-                              <a:lumMod val="75000"/>
-                            </a:schemeClr>
-                          </a:solidFill>
-                          <a:effectLst/>
-                          <a:latin typeface="Calibri" panose="020F0502020204030204" pitchFamily="34" charset="0"/>
-                        </a:rPr>
-                        <a:t>binary</a:t>
-                      </a:r>
-                      <a:r>
-                        <a:rPr lang="en-US" sz="1100" b="0" i="0" u="none" strike="noStrike" dirty="0">
-                          <a:solidFill>
-                            <a:srgbClr val="000000"/>
-                          </a:solidFill>
-                          <a:effectLst/>
-                          <a:latin typeface="Calibri" panose="020F0502020204030204" pitchFamily="34" charset="0"/>
-                        </a:rPr>
-                        <a:t>)</a:t>
-                      </a:r>
-                    </a:p>
-                  </a:txBody>
-                  <a:tcPr marL="7999" marR="7999" marT="7999" marB="0" anchor="ctr"/>
-                </a:tc>
-                <a:tc>
-                  <a:txBody>
-                    <a:bodyPr/>
-                    <a:lstStyle/>
-                    <a:p>
-                      <a:pPr algn="ctr" rtl="0" fontAlgn="ctr"/>
-                      <a:r>
-                        <a:rPr lang="en-US" sz="1100" b="0" i="0" u="none" strike="noStrike" dirty="0">
-                          <a:solidFill>
-                            <a:srgbClr val="000000"/>
-                          </a:solidFill>
-                          <a:effectLst/>
-                          <a:latin typeface="Calibri" panose="020F0502020204030204" pitchFamily="34" charset="0"/>
-                        </a:rPr>
-                        <a:t>CRAN (</a:t>
-                      </a:r>
-                      <a:r>
-                        <a:rPr lang="en-US" sz="1100" b="0" i="0" u="none" strike="noStrike" dirty="0">
-                          <a:solidFill>
-                            <a:srgbClr val="C00000"/>
-                          </a:solidFill>
-                          <a:effectLst/>
-                          <a:latin typeface="Calibri" panose="020F0502020204030204" pitchFamily="34" charset="0"/>
-                        </a:rPr>
-                        <a:t>source</a:t>
-                      </a:r>
-                      <a:r>
-                        <a:rPr lang="en-US" sz="1100" b="0" i="0" u="none" strike="noStrike" dirty="0">
-                          <a:solidFill>
-                            <a:srgbClr val="000000"/>
-                          </a:solidFill>
-                          <a:effectLst/>
-                          <a:latin typeface="Calibri" panose="020F0502020204030204" pitchFamily="34" charset="0"/>
-                        </a:rPr>
-                        <a:t>)</a:t>
-                      </a:r>
-                    </a:p>
-                  </a:txBody>
-                  <a:tcPr marL="7999" marR="7999" marT="7999" marB="0" anchor="ctr"/>
-                </a:tc>
-                <a:tc>
-                  <a:txBody>
-                    <a:bodyPr/>
-                    <a:lstStyle/>
-                    <a:p>
-                      <a:pPr algn="ctr" rtl="0" fontAlgn="ctr"/>
-                      <a:r>
-                        <a:rPr lang="en-US" sz="1100" b="0" i="0" u="none" strike="noStrike" dirty="0">
-                          <a:solidFill>
-                            <a:srgbClr val="000000"/>
-                          </a:solidFill>
-                          <a:effectLst/>
-                          <a:latin typeface="Calibri" panose="020F0502020204030204" pitchFamily="34" charset="0"/>
-                        </a:rPr>
-                        <a:t>system package repos (</a:t>
-                      </a:r>
-                      <a:r>
-                        <a:rPr lang="en-US" sz="1100" b="0" i="0" u="none" strike="noStrike" dirty="0">
-                          <a:solidFill>
-                            <a:schemeClr val="accent6">
-                              <a:lumMod val="75000"/>
-                            </a:schemeClr>
-                          </a:solidFill>
-                          <a:effectLst/>
-                          <a:latin typeface="Calibri" panose="020F0502020204030204" pitchFamily="34" charset="0"/>
-                        </a:rPr>
-                        <a:t>binary</a:t>
-                      </a:r>
-                      <a:r>
-                        <a:rPr lang="en-US" sz="1100" b="0" i="0" u="none" strike="noStrike" dirty="0">
-                          <a:solidFill>
-                            <a:srgbClr val="000000"/>
-                          </a:solidFill>
-                          <a:effectLst/>
-                          <a:latin typeface="Calibri" panose="020F0502020204030204" pitchFamily="34" charset="0"/>
-                        </a:rPr>
-                        <a:t>)</a:t>
-                      </a:r>
-                    </a:p>
-                  </a:txBody>
-                  <a:tcPr marL="7999" marR="7999" marT="7999" marB="0" anchor="ctr"/>
-                </a:tc>
-                <a:tc>
-                  <a:txBody>
-                    <a:bodyPr/>
-                    <a:lstStyle/>
-                    <a:p>
-                      <a:pPr marL="0" marR="0" lvl="0" indent="0" algn="ctr" defTabSz="914400" rtl="0" eaLnBrk="1" fontAlgn="ctr" latinLnBrk="0" hangingPunct="1">
-                        <a:lnSpc>
-                          <a:spcPct val="100000"/>
-                        </a:lnSpc>
-                        <a:spcBef>
-                          <a:spcPts val="0"/>
-                        </a:spcBef>
-                        <a:spcAft>
-                          <a:spcPts val="0"/>
-                        </a:spcAft>
-                        <a:buClrTx/>
-                        <a:buSzTx/>
-                        <a:buFontTx/>
-                        <a:buNone/>
-                        <a:tabLst/>
-                        <a:defRPr/>
-                      </a:pPr>
-                      <a:r>
-                        <a:rPr lang="en-US" sz="1100" b="0" i="0" u="none" strike="noStrike" dirty="0">
-                          <a:solidFill>
-                            <a:srgbClr val="000000"/>
-                          </a:solidFill>
-                          <a:effectLst/>
-                          <a:latin typeface="Calibri" panose="020F0502020204030204" pitchFamily="34" charset="0"/>
-                        </a:rPr>
-                        <a:t>system package repos (</a:t>
-                      </a:r>
-                      <a:r>
-                        <a:rPr lang="en-US" sz="1100" b="0" i="0" u="none" strike="noStrike" dirty="0">
-                          <a:solidFill>
-                            <a:schemeClr val="accent6">
-                              <a:lumMod val="75000"/>
-                            </a:schemeClr>
-                          </a:solidFill>
-                          <a:effectLst/>
-                          <a:latin typeface="Calibri" panose="020F0502020204030204" pitchFamily="34" charset="0"/>
-                        </a:rPr>
-                        <a:t>binary</a:t>
-                      </a:r>
-                      <a:r>
-                        <a:rPr lang="en-US" sz="1100" b="0" i="0" u="none" strike="noStrike" dirty="0">
-                          <a:solidFill>
-                            <a:srgbClr val="000000"/>
-                          </a:solidFill>
-                          <a:effectLst/>
-                          <a:latin typeface="Calibri" panose="020F0502020204030204" pitchFamily="34" charset="0"/>
-                        </a:rPr>
-                        <a:t>)</a:t>
-                      </a:r>
-                    </a:p>
-                  </a:txBody>
-                  <a:tcPr marL="7999" marR="7999" marT="7999" marB="0" anchor="ctr"/>
-                </a:tc>
-                <a:tc>
-                  <a:txBody>
-                    <a:bodyPr/>
-                    <a:lstStyle/>
-                    <a:p>
-                      <a:pPr marL="0" marR="0" lvl="0" indent="0" algn="ctr" defTabSz="914400" rtl="0" eaLnBrk="1" fontAlgn="ctr" latinLnBrk="0" hangingPunct="1">
-                        <a:lnSpc>
-                          <a:spcPct val="100000"/>
-                        </a:lnSpc>
-                        <a:spcBef>
-                          <a:spcPts val="0"/>
-                        </a:spcBef>
-                        <a:spcAft>
-                          <a:spcPts val="0"/>
-                        </a:spcAft>
-                        <a:buClrTx/>
-                        <a:buSzTx/>
-                        <a:buFontTx/>
-                        <a:buNone/>
-                        <a:tabLst/>
-                        <a:defRPr/>
-                      </a:pPr>
-                      <a:r>
-                        <a:rPr lang="en-US" sz="1100" b="0" i="0" u="none" strike="noStrike" dirty="0">
-                          <a:solidFill>
-                            <a:srgbClr val="000000"/>
-                          </a:solidFill>
-                          <a:effectLst/>
-                          <a:latin typeface="Calibri" panose="020F0502020204030204" pitchFamily="34" charset="0"/>
-                        </a:rPr>
-                        <a:t>r2u (</a:t>
-                      </a:r>
-                      <a:r>
-                        <a:rPr lang="en-US" sz="1100" b="0" i="0" u="none" strike="noStrike" dirty="0">
-                          <a:solidFill>
-                            <a:schemeClr val="accent6">
-                              <a:lumMod val="75000"/>
-                            </a:schemeClr>
-                          </a:solidFill>
-                          <a:effectLst/>
-                          <a:latin typeface="Calibri" panose="020F0502020204030204" pitchFamily="34" charset="0"/>
-                        </a:rPr>
-                        <a:t>binary</a:t>
-                      </a:r>
-                      <a:r>
-                        <a:rPr lang="en-US" sz="1100" b="0" i="0" u="none" strike="noStrike" dirty="0">
-                          <a:solidFill>
-                            <a:srgbClr val="000000"/>
-                          </a:solidFill>
-                          <a:effectLst/>
-                          <a:latin typeface="Calibri" panose="020F0502020204030204" pitchFamily="34" charset="0"/>
-                        </a:rPr>
-                        <a:t>)</a:t>
-                      </a:r>
-                    </a:p>
-                  </a:txBody>
-                  <a:tcPr marL="7999" marR="7999" marT="7999" marB="0" anchor="ctr"/>
-                </a:tc>
-                <a:extLst>
-                  <a:ext uri="{0D108BD9-81ED-4DB2-BD59-A6C34878D82A}">
-                    <a16:rowId xmlns:a16="http://schemas.microsoft.com/office/drawing/2014/main" val="3989258313"/>
-                  </a:ext>
-                </a:extLst>
-              </a:tr>
-              <a:tr h="379723">
+              <a:tr h="316406">
                 <a:tc>
                   <a:txBody>
                     <a:bodyPr/>
@@ -4296,7 +4029,7 @@
         </p:nvSpPr>
         <p:spPr>
           <a:xfrm>
-            <a:off x="3331439" y="5399076"/>
+            <a:off x="2879332" y="5593180"/>
             <a:ext cx="966952" cy="430887"/>
           </a:xfrm>
           <a:prstGeom prst="rect">
@@ -4345,8 +4078,8 @@
         </p:nvSpPr>
         <p:spPr>
           <a:xfrm>
-            <a:off x="4492158" y="5396862"/>
-            <a:ext cx="966952" cy="600164"/>
+            <a:off x="4186541" y="5352697"/>
+            <a:ext cx="1196058" cy="430887"/>
           </a:xfrm>
           <a:prstGeom prst="rect">
             <a:avLst/>
@@ -4394,7 +4127,7 @@
         </p:nvSpPr>
         <p:spPr>
           <a:xfrm>
-            <a:off x="4051419" y="6100248"/>
+            <a:off x="4051419" y="5900550"/>
             <a:ext cx="1460929" cy="600164"/>
           </a:xfrm>
           <a:prstGeom prst="rect">
@@ -4443,7 +4176,7 @@
         </p:nvSpPr>
         <p:spPr>
           <a:xfrm>
-            <a:off x="5741273" y="5379838"/>
+            <a:off x="5813999" y="5335622"/>
             <a:ext cx="1093076" cy="430887"/>
           </a:xfrm>
           <a:prstGeom prst="rect">
@@ -4492,7 +4225,7 @@
         </p:nvSpPr>
         <p:spPr>
           <a:xfrm>
-            <a:off x="7052420" y="5432584"/>
+            <a:off x="7168680" y="5370259"/>
             <a:ext cx="1093076" cy="430887"/>
           </a:xfrm>
           <a:prstGeom prst="rect">
@@ -4537,15 +4270,16 @@
             </a:extLst>
           </p:cNvPr>
           <p:cNvCxnSpPr>
+            <a:cxnSpLocks/>
             <a:stCxn id="12" idx="3"/>
             <a:endCxn id="13" idx="1"/>
           </p:cNvCxnSpPr>
           <p:nvPr/>
         </p:nvCxnSpPr>
         <p:spPr>
-          <a:xfrm>
-            <a:off x="4298391" y="5614520"/>
-            <a:ext cx="193767" cy="82424"/>
+          <a:xfrm flipV="1">
+            <a:off x="3846284" y="5568141"/>
+            <a:ext cx="340257" cy="240483"/>
           </a:xfrm>
           <a:prstGeom prst="straightConnector1">
             <a:avLst/>
@@ -4590,8 +4324,8 @@
         </p:nvCxnSpPr>
         <p:spPr>
           <a:xfrm flipV="1">
-            <a:off x="5459110" y="5595282"/>
-            <a:ext cx="282163" cy="101662"/>
+            <a:off x="5382599" y="5551066"/>
+            <a:ext cx="431400" cy="17075"/>
           </a:xfrm>
           <a:prstGeom prst="straightConnector1">
             <a:avLst/>
@@ -4636,8 +4370,8 @@
         </p:nvCxnSpPr>
         <p:spPr>
           <a:xfrm flipV="1">
-            <a:off x="6806750" y="5648028"/>
-            <a:ext cx="245670" cy="545307"/>
+            <a:off x="6907075" y="5585703"/>
+            <a:ext cx="261605" cy="530291"/>
           </a:xfrm>
           <a:prstGeom prst="straightConnector1">
             <a:avLst/>
@@ -4675,14 +4409,15 @@
           </p:cNvPr>
           <p:cNvCxnSpPr>
             <a:cxnSpLocks/>
-            <a:stCxn id="12" idx="2"/>
+            <a:stCxn id="12" idx="3"/>
+            <a:endCxn id="14" idx="1"/>
           </p:cNvCxnSpPr>
           <p:nvPr/>
         </p:nvCxnSpPr>
         <p:spPr>
           <a:xfrm>
-            <a:off x="3814915" y="5829963"/>
-            <a:ext cx="236504" cy="528326"/>
+            <a:off x="3846284" y="5808624"/>
+            <a:ext cx="205135" cy="392008"/>
           </a:xfrm>
           <a:prstGeom prst="straightConnector1">
             <a:avLst/>
@@ -4727,8 +4462,8 @@
         </p:nvCxnSpPr>
         <p:spPr>
           <a:xfrm>
-            <a:off x="5459110" y="5696944"/>
-            <a:ext cx="254564" cy="496391"/>
+            <a:off x="5382599" y="5568141"/>
+            <a:ext cx="431400" cy="547853"/>
           </a:xfrm>
           <a:prstGeom prst="straightConnector1">
             <a:avLst/>
@@ -4772,9 +4507,9 @@
           <p:nvPr/>
         </p:nvCxnSpPr>
         <p:spPr>
-          <a:xfrm flipV="1">
-            <a:off x="6806750" y="6166415"/>
-            <a:ext cx="300868" cy="26920"/>
+          <a:xfrm>
+            <a:off x="6907075" y="6115994"/>
+            <a:ext cx="238105" cy="52606"/>
           </a:xfrm>
           <a:prstGeom prst="straightConnector1">
             <a:avLst/>
@@ -4815,7 +4550,7 @@
         </p:nvSpPr>
         <p:spPr>
           <a:xfrm>
-            <a:off x="7107618" y="6035610"/>
+            <a:off x="7145180" y="6037795"/>
             <a:ext cx="1093076" cy="261610"/>
           </a:xfrm>
           <a:prstGeom prst="rect">
@@ -4864,7 +4599,7 @@
         </p:nvSpPr>
         <p:spPr>
           <a:xfrm>
-            <a:off x="8450293" y="6223765"/>
+            <a:off x="8450293" y="6024067"/>
             <a:ext cx="1213941" cy="430887"/>
           </a:xfrm>
           <a:prstGeom prst="rect">
@@ -4924,8 +4659,8 @@
         </p:nvCxnSpPr>
         <p:spPr>
           <a:xfrm>
-            <a:off x="8200694" y="6166415"/>
-            <a:ext cx="249599" cy="272794"/>
+            <a:off x="8238256" y="6168600"/>
+            <a:ext cx="212037" cy="70911"/>
           </a:xfrm>
           <a:prstGeom prst="straightConnector1">
             <a:avLst/>
@@ -4966,7 +4701,7 @@
         </p:nvSpPr>
         <p:spPr>
           <a:xfrm>
-            <a:off x="8571158" y="5840289"/>
+            <a:off x="8571158" y="5640591"/>
             <a:ext cx="1093076" cy="261610"/>
           </a:xfrm>
           <a:prstGeom prst="rect">
@@ -5019,8 +4754,8 @@
         </p:nvCxnSpPr>
         <p:spPr>
           <a:xfrm flipV="1">
-            <a:off x="8200694" y="5971094"/>
-            <a:ext cx="370464" cy="195321"/>
+            <a:off x="8238256" y="5771396"/>
+            <a:ext cx="332902" cy="397204"/>
           </a:xfrm>
           <a:prstGeom prst="straightConnector1">
             <a:avLst/>
@@ -5061,7 +4796,7 @@
         </p:nvSpPr>
         <p:spPr>
           <a:xfrm>
-            <a:off x="5713674" y="5977891"/>
+            <a:off x="5813999" y="5900550"/>
             <a:ext cx="1093076" cy="430887"/>
           </a:xfrm>
           <a:prstGeom prst="rect">
@@ -5110,8 +4845,8 @@
         </p:nvSpPr>
         <p:spPr>
           <a:xfrm>
-            <a:off x="7365103" y="1819767"/>
-            <a:ext cx="2301764" cy="1015663"/>
+            <a:off x="7754025" y="2211919"/>
+            <a:ext cx="1881730" cy="1015663"/>
           </a:xfrm>
           <a:prstGeom prst="rect">
             <a:avLst/>
@@ -5318,8 +5053,8 @@
         </p:nvSpPr>
         <p:spPr>
           <a:xfrm>
-            <a:off x="296225" y="1138769"/>
-            <a:ext cx="4154209" cy="400110"/>
+            <a:off x="296225" y="1011469"/>
+            <a:ext cx="3007613" cy="400110"/>
           </a:xfrm>
           <a:prstGeom prst="rect">
             <a:avLst/>
@@ -5384,8 +5119,8 @@
         </p:nvSpPr>
         <p:spPr>
           <a:xfrm>
-            <a:off x="4931958" y="1819767"/>
-            <a:ext cx="2301764" cy="1015663"/>
+            <a:off x="5372730" y="2209964"/>
+            <a:ext cx="2276170" cy="1015663"/>
           </a:xfrm>
           <a:prstGeom prst="rect">
             <a:avLst/>
@@ -5612,8 +5347,8 @@
         </p:nvSpPr>
         <p:spPr>
           <a:xfrm>
-            <a:off x="7365103" y="550802"/>
-            <a:ext cx="2301764" cy="1169551"/>
+            <a:off x="7162566" y="786062"/>
+            <a:ext cx="2433600" cy="1323439"/>
           </a:xfrm>
           <a:prstGeom prst="rect">
             <a:avLst/>
@@ -5725,6 +5460,35 @@
               </a:rPr>
               <a:t>    &amp;&amp; apt-get install -y \</a:t>
             </a:r>
+          </a:p>
+          <a:p>
+            <a:r>
+              <a:rPr lang="en-US" sz="1000" b="0" dirty="0">
+                <a:solidFill>
+                  <a:srgbClr val="000000"/>
+                </a:solidFill>
+                <a:effectLst/>
+                <a:latin typeface="Menlo" panose="020B0609030804020204" pitchFamily="49" charset="0"/>
+              </a:rPr>
+              <a:t>    --no-install-recommends </a:t>
+            </a:r>
+            <a:r>
+              <a:rPr lang="en-US" sz="1000" b="0" dirty="0">
+                <a:solidFill>
+                  <a:srgbClr val="0000FF"/>
+                </a:solidFill>
+                <a:effectLst/>
+                <a:latin typeface="Menlo" panose="020B0609030804020204" pitchFamily="49" charset="0"/>
+              </a:rPr>
+              <a:t>\</a:t>
+            </a:r>
+            <a:endParaRPr lang="en-US" sz="1000" b="0" dirty="0">
+              <a:solidFill>
+                <a:srgbClr val="000000"/>
+              </a:solidFill>
+              <a:effectLst/>
+              <a:latin typeface="Menlo" panose="020B0609030804020204" pitchFamily="49" charset="0"/>
+            </a:endParaRPr>
           </a:p>
           <a:p>
             <a:r>
@@ -5912,8 +5676,8 @@
         </p:nvSpPr>
         <p:spPr>
           <a:xfrm>
-            <a:off x="4931958" y="565577"/>
-            <a:ext cx="2301764" cy="1169551"/>
+            <a:off x="4634012" y="789579"/>
+            <a:ext cx="2413242" cy="1323439"/>
           </a:xfrm>
           <a:prstGeom prst="rect">
             <a:avLst/>
@@ -6006,7 +5770,28 @@
                 <a:effectLst/>
                 <a:latin typeface="Menlo" panose="020B0609030804020204" pitchFamily="49" charset="0"/>
               </a:rPr>
-              <a:t>    &amp;&amp; apt-get install -y </a:t>
+              <a:t>    &amp;&amp; apt-get install -y \</a:t>
+            </a:r>
+          </a:p>
+          <a:p>
+            <a:r>
+              <a:rPr lang="en-US" sz="1000" dirty="0">
+                <a:solidFill>
+                  <a:srgbClr val="000000"/>
+                </a:solidFill>
+                <a:latin typeface="Menlo" panose="020B0609030804020204" pitchFamily="49" charset="0"/>
+              </a:rPr>
+              <a:t>    </a:t>
+            </a:r>
+            <a:r>
+              <a:rPr lang="en-US" sz="1000" b="0" dirty="0">
+                <a:solidFill>
+                  <a:srgbClr val="000000"/>
+                </a:solidFill>
+                <a:effectLst/>
+                <a:latin typeface="Menlo" panose="020B0609030804020204" pitchFamily="49" charset="0"/>
+              </a:rPr>
+              <a:t>--no-install-recommends </a:t>
             </a:r>
             <a:r>
               <a:rPr lang="en-US" sz="1000" b="0" dirty="0">
@@ -6212,8 +5997,8 @@
         </p:nvSpPr>
         <p:spPr>
           <a:xfrm>
-            <a:off x="322492" y="4845078"/>
-            <a:ext cx="2643717" cy="769441"/>
+            <a:off x="296223" y="4595652"/>
+            <a:ext cx="2389176" cy="938719"/>
           </a:xfrm>
           <a:prstGeom prst="rect">
             <a:avLst/>
@@ -6274,8 +6059,8 @@
         </p:nvSpPr>
         <p:spPr>
           <a:xfrm>
-            <a:off x="296224" y="222548"/>
-            <a:ext cx="4154209" cy="369332"/>
+            <a:off x="275220" y="68406"/>
+            <a:ext cx="5936393" cy="369332"/>
           </a:xfrm>
           <a:prstGeom prst="rect">
             <a:avLst/>
@@ -6308,7 +6093,7 @@
                 <a:ea typeface="Menlo" panose="020B0609030804020204" pitchFamily="49" charset="0"/>
                 <a:cs typeface="Menlo" panose="020B0609030804020204" pitchFamily="49" charset="0"/>
               </a:rPr>
-              <a:t> containers for R</a:t>
+              <a:t> fast container builds for R 🚀</a:t>
             </a:r>
           </a:p>
         </p:txBody>
@@ -6327,7 +6112,7 @@
         </p:nvSpPr>
         <p:spPr>
           <a:xfrm>
-            <a:off x="4931958" y="229627"/>
+            <a:off x="3426697" y="478502"/>
             <a:ext cx="2710371" cy="307777"/>
           </a:xfrm>
           <a:prstGeom prst="rect">
@@ -6367,8 +6152,8 @@
         </p:nvSpPr>
         <p:spPr>
           <a:xfrm>
-            <a:off x="296224" y="576810"/>
-            <a:ext cx="4154210" cy="307777"/>
+            <a:off x="296224" y="471710"/>
+            <a:ext cx="3007612" cy="307777"/>
           </a:xfrm>
           <a:prstGeom prst="rect">
             <a:avLst/>
@@ -6407,8 +6192,8 @@
         </p:nvSpPr>
         <p:spPr>
           <a:xfrm>
-            <a:off x="296224" y="1797346"/>
-            <a:ext cx="4154210" cy="246221"/>
+            <a:off x="296224" y="1671014"/>
+            <a:ext cx="3007614" cy="400110"/>
           </a:xfrm>
           <a:prstGeom prst="rect">
             <a:avLst/>
@@ -6442,8 +6227,10 @@
                 <a:effectLst/>
                 <a:latin typeface="Menlo" panose="020B0609030804020204" pitchFamily="49" charset="0"/>
               </a:rPr>
-              <a:t> </a:t>
-            </a:r>
+              <a:t> \</a:t>
+            </a:r>
+          </a:p>
+          <a:p>
             <a:r>
               <a:rPr lang="en-US" sz="1000" b="0" dirty="0" err="1">
                 <a:effectLst/>
@@ -6486,8 +6273,8 @@
         </p:nvSpPr>
         <p:spPr>
           <a:xfrm>
-            <a:off x="296224" y="1532339"/>
-            <a:ext cx="4154210" cy="261610"/>
+            <a:off x="296223" y="1406985"/>
+            <a:ext cx="3007613" cy="261610"/>
           </a:xfrm>
           <a:prstGeom prst="rect">
             <a:avLst/>
@@ -6525,8 +6312,8 @@
         </p:nvSpPr>
         <p:spPr>
           <a:xfrm>
-            <a:off x="296224" y="2287382"/>
-            <a:ext cx="4154209" cy="553998"/>
+            <a:off x="296223" y="2315569"/>
+            <a:ext cx="3007614" cy="553998"/>
           </a:xfrm>
           <a:prstGeom prst="rect">
             <a:avLst/>
@@ -6556,7 +6343,7 @@
                 <a:effectLst/>
                 <a:latin typeface="Menlo" panose="020B0609030804020204" pitchFamily="49" charset="0"/>
               </a:rPr>
-              <a:t> run --rm -</a:t>
+              <a:t> run --rm –</a:t>
             </a:r>
             <a:r>
               <a:rPr lang="en-US" sz="1000" dirty="0">
@@ -6565,7 +6352,7 @@
                 </a:solidFill>
                 <a:latin typeface="Menlo" panose="020B0609030804020204" pitchFamily="49" charset="0"/>
               </a:rPr>
-              <a:t>it</a:t>
+              <a:t>it </a:t>
             </a:r>
             <a:r>
               <a:rPr lang="en-US" sz="1000" b="0" dirty="0">
@@ -6575,7 +6362,7 @@
                 <a:effectLst/>
                 <a:latin typeface="Menlo" panose="020B0609030804020204" pitchFamily="49" charset="0"/>
               </a:rPr>
-              <a:t> -e \</a:t>
+              <a:t>-p 8787:8787 \</a:t>
             </a:r>
           </a:p>
           <a:p>
@@ -6587,7 +6374,7 @@
                 <a:effectLst/>
                 <a:latin typeface="Menlo" panose="020B0609030804020204" pitchFamily="49" charset="0"/>
               </a:rPr>
-              <a:t>PASSWORD=</a:t>
+              <a:t>-e PASSWORD=</a:t>
             </a:r>
             <a:r>
               <a:rPr lang="en-US" sz="1000" b="0" dirty="0" err="1">
@@ -6597,7 +6384,7 @@
                 <a:effectLst/>
                 <a:latin typeface="Menlo" panose="020B0609030804020204" pitchFamily="49" charset="0"/>
               </a:rPr>
-              <a:t>yourpassword</a:t>
+              <a:t>mypassword</a:t>
             </a:r>
             <a:r>
               <a:rPr lang="en-US" sz="1000" b="0" dirty="0">
@@ -6607,7 +6394,7 @@
                 <a:effectLst/>
                 <a:latin typeface="Menlo" panose="020B0609030804020204" pitchFamily="49" charset="0"/>
               </a:rPr>
-              <a:t> -p 8787:8787 rocker/</a:t>
+              <a:t> rocker/</a:t>
             </a:r>
             <a:r>
               <a:rPr lang="en-US" sz="1000" b="0" dirty="0" err="1">
@@ -6665,8 +6452,8 @@
         </p:nvSpPr>
         <p:spPr>
           <a:xfrm>
-            <a:off x="296224" y="2034961"/>
-            <a:ext cx="4154210" cy="261610"/>
+            <a:off x="311009" y="2069348"/>
+            <a:ext cx="2992827" cy="261610"/>
           </a:xfrm>
           <a:prstGeom prst="rect">
             <a:avLst/>
@@ -6704,7 +6491,7 @@
         </p:nvSpPr>
         <p:spPr>
           <a:xfrm>
-            <a:off x="3153105" y="2944869"/>
+            <a:off x="2900157" y="3397800"/>
             <a:ext cx="4154210" cy="307777"/>
           </a:xfrm>
           <a:prstGeom prst="rect">
@@ -6744,8 +6531,8 @@
         </p:nvSpPr>
         <p:spPr>
           <a:xfrm>
-            <a:off x="296224" y="880897"/>
-            <a:ext cx="4154210" cy="261610"/>
+            <a:off x="296223" y="745353"/>
+            <a:ext cx="3007612" cy="261610"/>
           </a:xfrm>
           <a:prstGeom prst="rect">
             <a:avLst/>
@@ -6784,7 +6571,7 @@
         <p:spPr>
           <a:xfrm>
             <a:off x="296223" y="3517000"/>
-            <a:ext cx="2643715" cy="246221"/>
+            <a:ext cx="2415445" cy="246221"/>
           </a:xfrm>
           <a:prstGeom prst="rect">
             <a:avLst/>
@@ -6943,7 +6730,7 @@
         <p:spPr>
           <a:xfrm>
             <a:off x="296224" y="4071744"/>
-            <a:ext cx="2643716" cy="400110"/>
+            <a:ext cx="2415445" cy="400110"/>
           </a:xfrm>
           <a:prstGeom prst="rect">
             <a:avLst/>
@@ -7018,7 +6805,7 @@
                 <a:effectLst/>
                 <a:latin typeface="Menlo" panose="020B0609030804020204" pitchFamily="49" charset="0"/>
               </a:rPr>
-              <a:t>"DT", "ubuntu", "20.04")</a:t>
+              <a:t>    "DT", "ubuntu", "20.04")</a:t>
             </a:r>
           </a:p>
         </p:txBody>
@@ -7062,31 +6849,524 @@
           </a:p>
         </p:txBody>
       </p:sp>
+      <p:grpSp>
+        <p:nvGrpSpPr>
+          <p:cNvPr id="42" name="Group 41">
+            <a:extLst>
+              <a:ext uri="{FF2B5EF4-FFF2-40B4-BE49-F238E27FC236}">
+                <a16:creationId xmlns:a16="http://schemas.microsoft.com/office/drawing/2014/main" id="{A706FBE5-F1D0-B870-94CD-5E16096BCB06}"/>
+              </a:ext>
+            </a:extLst>
+          </p:cNvPr>
+          <p:cNvGrpSpPr/>
+          <p:nvPr/>
+        </p:nvGrpSpPr>
+        <p:grpSpPr>
+          <a:xfrm>
+            <a:off x="2942212" y="6074716"/>
+            <a:ext cx="776437" cy="401775"/>
+            <a:chOff x="8586895" y="5454465"/>
+            <a:chExt cx="776437" cy="401775"/>
+          </a:xfrm>
+        </p:grpSpPr>
+        <p:cxnSp>
+          <p:nvCxnSpPr>
+            <p:cNvPr id="122" name="Straight Arrow Connector 121">
+              <a:extLst>
+                <a:ext uri="{FF2B5EF4-FFF2-40B4-BE49-F238E27FC236}">
+                  <a16:creationId xmlns:a16="http://schemas.microsoft.com/office/drawing/2014/main" id="{5717B7A8-9AFF-791C-B49E-15E0261E2CE9}"/>
+                </a:ext>
+              </a:extLst>
+            </p:cNvPr>
+            <p:cNvCxnSpPr>
+              <a:cxnSpLocks/>
+            </p:cNvCxnSpPr>
+            <p:nvPr/>
+          </p:nvCxnSpPr>
+          <p:spPr>
+            <a:xfrm>
+              <a:off x="8586895" y="5587084"/>
+              <a:ext cx="187858" cy="3599"/>
+            </a:xfrm>
+            <a:prstGeom prst="straightConnector1">
+              <a:avLst/>
+            </a:prstGeom>
+            <a:ln w="28575">
+              <a:solidFill>
+                <a:schemeClr val="accent6"/>
+              </a:solidFill>
+              <a:tailEnd type="triangle"/>
+            </a:ln>
+          </p:spPr>
+          <p:style>
+            <a:lnRef idx="1">
+              <a:schemeClr val="accent1"/>
+            </a:lnRef>
+            <a:fillRef idx="0">
+              <a:schemeClr val="accent1"/>
+            </a:fillRef>
+            <a:effectRef idx="0">
+              <a:schemeClr val="accent1"/>
+            </a:effectRef>
+            <a:fontRef idx="minor">
+              <a:schemeClr val="tx1"/>
+            </a:fontRef>
+          </p:style>
+        </p:cxnSp>
+        <p:sp>
+          <p:nvSpPr>
+            <p:cNvPr id="125" name="TextBox 124">
+              <a:extLst>
+                <a:ext uri="{FF2B5EF4-FFF2-40B4-BE49-F238E27FC236}">
+                  <a16:creationId xmlns:a16="http://schemas.microsoft.com/office/drawing/2014/main" id="{7EBCA8B2-BE9C-9C45-5D15-897FA3DE0737}"/>
+                </a:ext>
+              </a:extLst>
+            </p:cNvPr>
+            <p:cNvSpPr txBox="1"/>
+            <p:nvPr/>
+          </p:nvSpPr>
+          <p:spPr>
+            <a:xfrm>
+              <a:off x="8768197" y="5454465"/>
+              <a:ext cx="588579" cy="261610"/>
+            </a:xfrm>
+            <a:prstGeom prst="rect">
+              <a:avLst/>
+            </a:prstGeom>
+            <a:noFill/>
+          </p:spPr>
+          <p:txBody>
+            <a:bodyPr wrap="square" rtlCol="0">
+              <a:spAutoFit/>
+            </a:bodyPr>
+            <a:lstStyle/>
+            <a:p>
+              <a:r>
+                <a:rPr lang="en-CH" sz="1100" dirty="0"/>
+                <a:t>yes</a:t>
+              </a:r>
+            </a:p>
+          </p:txBody>
+        </p:sp>
+        <p:cxnSp>
+          <p:nvCxnSpPr>
+            <p:cNvPr id="126" name="Straight Arrow Connector 125">
+              <a:extLst>
+                <a:ext uri="{FF2B5EF4-FFF2-40B4-BE49-F238E27FC236}">
+                  <a16:creationId xmlns:a16="http://schemas.microsoft.com/office/drawing/2014/main" id="{B6C8553D-4F36-4A1F-6662-EA24ECDEBED1}"/>
+                </a:ext>
+              </a:extLst>
+            </p:cNvPr>
+            <p:cNvCxnSpPr>
+              <a:cxnSpLocks/>
+            </p:cNvCxnSpPr>
+            <p:nvPr/>
+          </p:nvCxnSpPr>
+          <p:spPr>
+            <a:xfrm>
+              <a:off x="8593451" y="5727249"/>
+              <a:ext cx="187858" cy="3599"/>
+            </a:xfrm>
+            <a:prstGeom prst="straightConnector1">
+              <a:avLst/>
+            </a:prstGeom>
+            <a:ln w="28575">
+              <a:solidFill>
+                <a:srgbClr val="C00000"/>
+              </a:solidFill>
+              <a:tailEnd type="triangle"/>
+            </a:ln>
+          </p:spPr>
+          <p:style>
+            <a:lnRef idx="1">
+              <a:schemeClr val="accent1"/>
+            </a:lnRef>
+            <a:fillRef idx="0">
+              <a:schemeClr val="accent1"/>
+            </a:fillRef>
+            <a:effectRef idx="0">
+              <a:schemeClr val="accent1"/>
+            </a:effectRef>
+            <a:fontRef idx="minor">
+              <a:schemeClr val="tx1"/>
+            </a:fontRef>
+          </p:style>
+        </p:cxnSp>
+        <p:sp>
+          <p:nvSpPr>
+            <p:cNvPr id="127" name="TextBox 126">
+              <a:extLst>
+                <a:ext uri="{FF2B5EF4-FFF2-40B4-BE49-F238E27FC236}">
+                  <a16:creationId xmlns:a16="http://schemas.microsoft.com/office/drawing/2014/main" id="{054A8191-A796-D63F-FB04-D60B12D4259F}"/>
+                </a:ext>
+              </a:extLst>
+            </p:cNvPr>
+            <p:cNvSpPr txBox="1"/>
+            <p:nvPr/>
+          </p:nvSpPr>
+          <p:spPr>
+            <a:xfrm>
+              <a:off x="8774753" y="5594630"/>
+              <a:ext cx="588579" cy="261610"/>
+            </a:xfrm>
+            <a:prstGeom prst="rect">
+              <a:avLst/>
+            </a:prstGeom>
+            <a:noFill/>
+          </p:spPr>
+          <p:txBody>
+            <a:bodyPr wrap="square" rtlCol="0">
+              <a:spAutoFit/>
+            </a:bodyPr>
+            <a:lstStyle/>
+            <a:p>
+              <a:r>
+                <a:rPr lang="en-CH" sz="1100" dirty="0"/>
+                <a:t>no</a:t>
+              </a:r>
+            </a:p>
+          </p:txBody>
+        </p:sp>
+      </p:grpSp>
+      <p:sp>
+        <p:nvSpPr>
+          <p:cNvPr id="128" name="TextBox 127">
+            <a:extLst>
+              <a:ext uri="{FF2B5EF4-FFF2-40B4-BE49-F238E27FC236}">
+                <a16:creationId xmlns:a16="http://schemas.microsoft.com/office/drawing/2014/main" id="{97A44B81-8686-AC8E-3807-D74D491829DC}"/>
+              </a:ext>
+            </a:extLst>
+          </p:cNvPr>
+          <p:cNvSpPr txBox="1"/>
+          <p:nvPr/>
+        </p:nvSpPr>
+        <p:spPr>
+          <a:xfrm>
+            <a:off x="303616" y="5683395"/>
+            <a:ext cx="2374390" cy="938719"/>
+          </a:xfrm>
+          <a:prstGeom prst="rect">
+            <a:avLst/>
+          </a:prstGeom>
+        </p:spPr>
+        <p:style>
+          <a:lnRef idx="2">
+            <a:schemeClr val="dk1"/>
+          </a:lnRef>
+          <a:fillRef idx="1">
+            <a:schemeClr val="lt1"/>
+          </a:fillRef>
+          <a:effectRef idx="0">
+            <a:schemeClr val="dk1"/>
+          </a:effectRef>
+          <a:fontRef idx="minor">
+            <a:schemeClr val="dk1"/>
+          </a:fontRef>
+        </p:style>
+        <p:txBody>
+          <a:bodyPr wrap="square" rtlCol="0">
+            <a:spAutoFit/>
+          </a:bodyPr>
+          <a:lstStyle/>
+          <a:p>
+            <a:r>
+              <a:rPr lang="en-CH" sz="1100" b="1" dirty="0"/>
+              <a:t>Acknowledgements</a:t>
+            </a:r>
+          </a:p>
+          <a:p>
+            <a:r>
+              <a:rPr lang="en-CH" sz="1100" dirty="0">
+                <a:hlinkClick r:id="rId2"/>
+              </a:rPr>
+              <a:t>Rocker</a:t>
+            </a:r>
+            <a:r>
+              <a:rPr lang="en-CH" sz="1100" dirty="0"/>
+              <a:t> and </a:t>
+            </a:r>
+            <a:r>
+              <a:rPr lang="en-CH" sz="1100" dirty="0">
+                <a:hlinkClick r:id="rId3"/>
+              </a:rPr>
+              <a:t>r2u</a:t>
+            </a:r>
+            <a:r>
+              <a:rPr lang="en-CH" sz="1100" dirty="0"/>
+              <a:t> are developed by </a:t>
+            </a:r>
+            <a:r>
+              <a:rPr lang="en-CH" sz="1100" dirty="0">
+                <a:hlinkClick r:id="rId8"/>
+              </a:rPr>
+              <a:t>Carl Boettiger </a:t>
+            </a:r>
+            <a:r>
+              <a:rPr lang="en-CH" sz="1100" dirty="0"/>
+              <a:t>and </a:t>
+            </a:r>
+            <a:r>
+              <a:rPr lang="en-CH" sz="1100" dirty="0">
+                <a:hlinkClick r:id="rId9"/>
+              </a:rPr>
+              <a:t>Dirk Eddelbuettel</a:t>
+            </a:r>
+            <a:r>
+              <a:rPr lang="en-CH" sz="1100" dirty="0"/>
+              <a:t>. This cheatsheet was created by </a:t>
+            </a:r>
+            <a:r>
+              <a:rPr lang="en-CH" sz="1100" dirty="0">
+                <a:hlinkClick r:id="rId10"/>
+              </a:rPr>
+              <a:t>Geert van Geest</a:t>
+            </a:r>
+            <a:endParaRPr lang="en-CH" sz="1100" dirty="0"/>
+          </a:p>
+        </p:txBody>
+      </p:sp>
+      <p:sp>
+        <p:nvSpPr>
+          <p:cNvPr id="148" name="TextBox 147">
+            <a:extLst>
+              <a:ext uri="{FF2B5EF4-FFF2-40B4-BE49-F238E27FC236}">
+                <a16:creationId xmlns:a16="http://schemas.microsoft.com/office/drawing/2014/main" id="{21AF555F-1D4E-8F50-29E5-9D77F0F7BD15}"/>
+              </a:ext>
+            </a:extLst>
+          </p:cNvPr>
+          <p:cNvSpPr txBox="1"/>
+          <p:nvPr/>
+        </p:nvSpPr>
+        <p:spPr>
+          <a:xfrm>
+            <a:off x="2899996" y="3704646"/>
+            <a:ext cx="6002734" cy="261610"/>
+          </a:xfrm>
+          <a:prstGeom prst="rect">
+            <a:avLst/>
+          </a:prstGeom>
+          <a:noFill/>
+        </p:spPr>
+        <p:txBody>
+          <a:bodyPr wrap="square" rtlCol="0">
+            <a:spAutoFit/>
+          </a:bodyPr>
+          <a:lstStyle/>
+          <a:p>
+            <a:r>
+              <a:rPr lang="en-CH" sz="1100" b="1" dirty="0">
+                <a:ea typeface="Menlo" panose="020B0609030804020204" pitchFamily="49" charset="0"/>
+                <a:cs typeface="Menlo" panose="020B0609030804020204" pitchFamily="49" charset="0"/>
+              </a:rPr>
+              <a:t>The base images below have many different characteristics. Refer to their docs for a full overview. </a:t>
+            </a:r>
+            <a:endParaRPr lang="en-CH" sz="1100" b="1" dirty="0"/>
+          </a:p>
+        </p:txBody>
+      </p:sp>
+      <p:sp>
+        <p:nvSpPr>
+          <p:cNvPr id="2" name="TextBox 1">
+            <a:extLst>
+              <a:ext uri="{FF2B5EF4-FFF2-40B4-BE49-F238E27FC236}">
+                <a16:creationId xmlns:a16="http://schemas.microsoft.com/office/drawing/2014/main" id="{88CACFC1-C1CB-29B1-BE0D-1B27D3C886CA}"/>
+              </a:ext>
+            </a:extLst>
+          </p:cNvPr>
+          <p:cNvSpPr txBox="1"/>
+          <p:nvPr/>
+        </p:nvSpPr>
+        <p:spPr>
+          <a:xfrm>
+            <a:off x="3499945" y="2215903"/>
+            <a:ext cx="1767660" cy="938719"/>
+          </a:xfrm>
+          <a:prstGeom prst="rect">
+            <a:avLst/>
+          </a:prstGeom>
+          <a:ln/>
+        </p:spPr>
+        <p:style>
+          <a:lnRef idx="2">
+            <a:schemeClr val="dk1"/>
+          </a:lnRef>
+          <a:fillRef idx="1">
+            <a:schemeClr val="lt1"/>
+          </a:fillRef>
+          <a:effectRef idx="0">
+            <a:schemeClr val="dk1"/>
+          </a:effectRef>
+          <a:fontRef idx="minor">
+            <a:schemeClr val="dk1"/>
+          </a:fontRef>
+        </p:style>
+        <p:txBody>
+          <a:bodyPr wrap="square" rtlCol="0">
+            <a:spAutoFit/>
+          </a:bodyPr>
+          <a:lstStyle/>
+          <a:p>
+            <a:r>
+              <a:rPr lang="en-CH" sz="1100" b="1" dirty="0"/>
+              <a:t>install2.r script</a:t>
+            </a:r>
+          </a:p>
+          <a:p>
+            <a:r>
+              <a:rPr lang="en-CH" sz="1100" dirty="0"/>
+              <a:t>is a helper for installing  R packages from the </a:t>
+            </a:r>
+            <a:r>
+              <a:rPr lang="en-CH" sz="1100" dirty="0">
+                <a:hlinkClick r:id="rId11"/>
+              </a:rPr>
+              <a:t>littler</a:t>
+            </a:r>
+            <a:r>
+              <a:rPr lang="en-CH" sz="1100" dirty="0"/>
+              <a:t> package.  Find all options </a:t>
+            </a:r>
+            <a:r>
+              <a:rPr lang="en-CH" sz="1100" dirty="0">
+                <a:hlinkClick r:id="rId12"/>
+              </a:rPr>
+              <a:t>here</a:t>
+            </a:r>
+            <a:r>
+              <a:rPr lang="en-CH" sz="1100" dirty="0"/>
+              <a:t>.</a:t>
+            </a:r>
+          </a:p>
+        </p:txBody>
+      </p:sp>
+      <p:sp>
+        <p:nvSpPr>
+          <p:cNvPr id="6" name="TextBox 5">
+            <a:extLst>
+              <a:ext uri="{FF2B5EF4-FFF2-40B4-BE49-F238E27FC236}">
+                <a16:creationId xmlns:a16="http://schemas.microsoft.com/office/drawing/2014/main" id="{9DC5F5A0-5DDE-84A9-D502-D6B3FA43AFFF}"/>
+              </a:ext>
+            </a:extLst>
+          </p:cNvPr>
+          <p:cNvSpPr txBox="1"/>
+          <p:nvPr/>
+        </p:nvSpPr>
+        <p:spPr>
+          <a:xfrm>
+            <a:off x="3499945" y="827733"/>
+            <a:ext cx="1048133" cy="1277273"/>
+          </a:xfrm>
+          <a:prstGeom prst="rect">
+            <a:avLst/>
+          </a:prstGeom>
+          <a:ln>
+            <a:solidFill>
+              <a:schemeClr val="tx1"/>
+            </a:solidFill>
+          </a:ln>
+        </p:spPr>
+        <p:style>
+          <a:lnRef idx="2">
+            <a:schemeClr val="dk1"/>
+          </a:lnRef>
+          <a:fillRef idx="1">
+            <a:schemeClr val="lt1"/>
+          </a:fillRef>
+          <a:effectRef idx="0">
+            <a:schemeClr val="dk1"/>
+          </a:effectRef>
+          <a:fontRef idx="minor">
+            <a:schemeClr val="dk1"/>
+          </a:fontRef>
+        </p:style>
+        <p:txBody>
+          <a:bodyPr wrap="square" rtlCol="0">
+            <a:spAutoFit/>
+          </a:bodyPr>
+          <a:lstStyle/>
+          <a:p>
+            <a:r>
+              <a:rPr lang="en-CH" sz="1100" b="1" dirty="0"/>
+              <a:t>apt-get</a:t>
+            </a:r>
+          </a:p>
+          <a:p>
+            <a:r>
+              <a:rPr lang="en-CH" sz="1100" dirty="0"/>
+              <a:t>interacts with the system package manager, that often includes R packages</a:t>
+            </a:r>
+          </a:p>
+        </p:txBody>
+      </p:sp>
+      <p:sp>
+        <p:nvSpPr>
+          <p:cNvPr id="43" name="TextBox 42">
+            <a:extLst>
+              <a:ext uri="{FF2B5EF4-FFF2-40B4-BE49-F238E27FC236}">
+                <a16:creationId xmlns:a16="http://schemas.microsoft.com/office/drawing/2014/main" id="{0940FA54-3C3D-9BCA-F6D1-B7B7F231F2BB}"/>
+              </a:ext>
+            </a:extLst>
+          </p:cNvPr>
+          <p:cNvSpPr txBox="1"/>
+          <p:nvPr/>
+        </p:nvSpPr>
+        <p:spPr>
+          <a:xfrm>
+            <a:off x="8476554" y="3437831"/>
+            <a:ext cx="1187680" cy="276999"/>
+          </a:xfrm>
+          <a:prstGeom prst="rect">
+            <a:avLst/>
+          </a:prstGeom>
+          <a:noFill/>
+        </p:spPr>
+        <p:txBody>
+          <a:bodyPr wrap="square" rtlCol="0">
+            <a:spAutoFit/>
+          </a:bodyPr>
+          <a:lstStyle/>
+          <a:p>
+            <a:pPr algn="ctr"/>
+            <a:r>
+              <a:rPr lang="en-CH" sz="1200" i="1" dirty="0">
+                <a:solidFill>
+                  <a:srgbClr val="1716FD"/>
+                </a:solidFill>
+                <a:latin typeface="Menlo" panose="020B0609030804020204" pitchFamily="49" charset="0"/>
+                <a:ea typeface="Menlo" panose="020B0609030804020204" pitchFamily="49" charset="0"/>
+                <a:cs typeface="Menlo" panose="020B0609030804020204" pitchFamily="49" charset="0"/>
+              </a:rPr>
+              <a:t>fastest!🏎️</a:t>
+            </a:r>
+          </a:p>
+        </p:txBody>
+      </p:sp>
       <p:cxnSp>
         <p:nvCxnSpPr>
-          <p:cNvPr id="122" name="Straight Arrow Connector 121">
+          <p:cNvPr id="47" name="Straight Arrow Connector 46">
             <a:extLst>
               <a:ext uri="{FF2B5EF4-FFF2-40B4-BE49-F238E27FC236}">
-                <a16:creationId xmlns:a16="http://schemas.microsoft.com/office/drawing/2014/main" id="{5717B7A8-9AFF-791C-B49E-15E0261E2CE9}"/>
+                <a16:creationId xmlns:a16="http://schemas.microsoft.com/office/drawing/2014/main" id="{F8BD2A2D-F4CB-C0C8-78ED-30DC7C65973A}"/>
               </a:ext>
             </a:extLst>
           </p:cNvPr>
           <p:cNvCxnSpPr>
             <a:cxnSpLocks/>
+            <a:stCxn id="43" idx="2"/>
           </p:cNvCxnSpPr>
           <p:nvPr/>
         </p:nvCxnSpPr>
         <p:spPr>
           <a:xfrm>
-            <a:off x="8322868" y="5455943"/>
-            <a:ext cx="187858" cy="3599"/>
+            <a:off x="9070394" y="3714830"/>
+            <a:ext cx="0" cy="265389"/>
           </a:xfrm>
           <a:prstGeom prst="straightConnector1">
             <a:avLst/>
           </a:prstGeom>
-          <a:ln w="28575">
+          <a:ln w="38100">
             <a:solidFill>
-              <a:schemeClr val="accent6"/>
+              <a:schemeClr val="tx1"/>
             </a:solidFill>
             <a:tailEnd type="triangle"/>
           </a:ln>
@@ -7106,256 +7386,6 @@
           </a:fontRef>
         </p:style>
       </p:cxnSp>
-      <p:sp>
-        <p:nvSpPr>
-          <p:cNvPr id="125" name="TextBox 124">
-            <a:extLst>
-              <a:ext uri="{FF2B5EF4-FFF2-40B4-BE49-F238E27FC236}">
-                <a16:creationId xmlns:a16="http://schemas.microsoft.com/office/drawing/2014/main" id="{7EBCA8B2-BE9C-9C45-5D15-897FA3DE0737}"/>
-              </a:ext>
-            </a:extLst>
-          </p:cNvPr>
-          <p:cNvSpPr txBox="1"/>
-          <p:nvPr/>
-        </p:nvSpPr>
-        <p:spPr>
-          <a:xfrm>
-            <a:off x="8504170" y="5323324"/>
-            <a:ext cx="588579" cy="261610"/>
-          </a:xfrm>
-          <a:prstGeom prst="rect">
-            <a:avLst/>
-          </a:prstGeom>
-          <a:noFill/>
-        </p:spPr>
-        <p:txBody>
-          <a:bodyPr wrap="square" rtlCol="0">
-            <a:spAutoFit/>
-          </a:bodyPr>
-          <a:lstStyle/>
-          <a:p>
-            <a:r>
-              <a:rPr lang="en-CH" sz="1100" dirty="0"/>
-              <a:t>yes</a:t>
-            </a:r>
-          </a:p>
-        </p:txBody>
-      </p:sp>
-      <p:cxnSp>
-        <p:nvCxnSpPr>
-          <p:cNvPr id="126" name="Straight Arrow Connector 125">
-            <a:extLst>
-              <a:ext uri="{FF2B5EF4-FFF2-40B4-BE49-F238E27FC236}">
-                <a16:creationId xmlns:a16="http://schemas.microsoft.com/office/drawing/2014/main" id="{B6C8553D-4F36-4A1F-6662-EA24ECDEBED1}"/>
-              </a:ext>
-            </a:extLst>
-          </p:cNvPr>
-          <p:cNvCxnSpPr>
-            <a:cxnSpLocks/>
-          </p:cNvCxnSpPr>
-          <p:nvPr/>
-        </p:nvCxnSpPr>
-        <p:spPr>
-          <a:xfrm>
-            <a:off x="8329424" y="5596108"/>
-            <a:ext cx="187858" cy="3599"/>
-          </a:xfrm>
-          <a:prstGeom prst="straightConnector1">
-            <a:avLst/>
-          </a:prstGeom>
-          <a:ln w="28575">
-            <a:solidFill>
-              <a:srgbClr val="C00000"/>
-            </a:solidFill>
-            <a:tailEnd type="triangle"/>
-          </a:ln>
-        </p:spPr>
-        <p:style>
-          <a:lnRef idx="1">
-            <a:schemeClr val="accent1"/>
-          </a:lnRef>
-          <a:fillRef idx="0">
-            <a:schemeClr val="accent1"/>
-          </a:fillRef>
-          <a:effectRef idx="0">
-            <a:schemeClr val="accent1"/>
-          </a:effectRef>
-          <a:fontRef idx="minor">
-            <a:schemeClr val="tx1"/>
-          </a:fontRef>
-        </p:style>
-      </p:cxnSp>
-      <p:sp>
-        <p:nvSpPr>
-          <p:cNvPr id="127" name="TextBox 126">
-            <a:extLst>
-              <a:ext uri="{FF2B5EF4-FFF2-40B4-BE49-F238E27FC236}">
-                <a16:creationId xmlns:a16="http://schemas.microsoft.com/office/drawing/2014/main" id="{054A8191-A796-D63F-FB04-D60B12D4259F}"/>
-              </a:ext>
-            </a:extLst>
-          </p:cNvPr>
-          <p:cNvSpPr txBox="1"/>
-          <p:nvPr/>
-        </p:nvSpPr>
-        <p:spPr>
-          <a:xfrm>
-            <a:off x="8510726" y="5463489"/>
-            <a:ext cx="588579" cy="261610"/>
-          </a:xfrm>
-          <a:prstGeom prst="rect">
-            <a:avLst/>
-          </a:prstGeom>
-          <a:noFill/>
-        </p:spPr>
-        <p:txBody>
-          <a:bodyPr wrap="square" rtlCol="0">
-            <a:spAutoFit/>
-          </a:bodyPr>
-          <a:lstStyle/>
-          <a:p>
-            <a:r>
-              <a:rPr lang="en-CH" sz="1100" dirty="0"/>
-              <a:t>no</a:t>
-            </a:r>
-          </a:p>
-        </p:txBody>
-      </p:sp>
-      <p:sp>
-        <p:nvSpPr>
-          <p:cNvPr id="128" name="TextBox 127">
-            <a:extLst>
-              <a:ext uri="{FF2B5EF4-FFF2-40B4-BE49-F238E27FC236}">
-                <a16:creationId xmlns:a16="http://schemas.microsoft.com/office/drawing/2014/main" id="{97A44B81-8686-AC8E-3807-D74D491829DC}"/>
-              </a:ext>
-            </a:extLst>
-          </p:cNvPr>
-          <p:cNvSpPr txBox="1"/>
-          <p:nvPr/>
-        </p:nvSpPr>
-        <p:spPr>
-          <a:xfrm>
-            <a:off x="311009" y="5781694"/>
-            <a:ext cx="2647333" cy="769441"/>
-          </a:xfrm>
-          <a:prstGeom prst="rect">
-            <a:avLst/>
-          </a:prstGeom>
-        </p:spPr>
-        <p:style>
-          <a:lnRef idx="2">
-            <a:schemeClr val="dk1"/>
-          </a:lnRef>
-          <a:fillRef idx="1">
-            <a:schemeClr val="lt1"/>
-          </a:fillRef>
-          <a:effectRef idx="0">
-            <a:schemeClr val="dk1"/>
-          </a:effectRef>
-          <a:fontRef idx="minor">
-            <a:schemeClr val="dk1"/>
-          </a:fontRef>
-        </p:style>
-        <p:txBody>
-          <a:bodyPr wrap="square" rtlCol="0">
-            <a:spAutoFit/>
-          </a:bodyPr>
-          <a:lstStyle/>
-          <a:p>
-            <a:r>
-              <a:rPr lang="en-CH" sz="1100" b="1" dirty="0"/>
-              <a:t>Acknowledgements</a:t>
-            </a:r>
-          </a:p>
-          <a:p>
-            <a:r>
-              <a:rPr lang="en-CH" sz="1100" dirty="0">
-                <a:hlinkClick r:id="rId2"/>
-              </a:rPr>
-              <a:t>Rocker</a:t>
-            </a:r>
-            <a:r>
-              <a:rPr lang="en-CH" sz="1100" dirty="0"/>
-              <a:t> and </a:t>
-            </a:r>
-            <a:r>
-              <a:rPr lang="en-CH" sz="1100" dirty="0">
-                <a:hlinkClick r:id="rId3"/>
-              </a:rPr>
-              <a:t>r2u</a:t>
-            </a:r>
-            <a:r>
-              <a:rPr lang="en-CH" sz="1100" dirty="0"/>
-              <a:t> are developed by </a:t>
-            </a:r>
-            <a:r>
-              <a:rPr lang="en-CH" sz="1100" dirty="0">
-                <a:hlinkClick r:id="rId8"/>
-              </a:rPr>
-              <a:t>Carl Boettiger </a:t>
-            </a:r>
-            <a:r>
-              <a:rPr lang="en-CH" sz="1100" dirty="0"/>
-              <a:t>and </a:t>
-            </a:r>
-            <a:r>
-              <a:rPr lang="en-CH" sz="1100" dirty="0">
-                <a:hlinkClick r:id="rId9"/>
-              </a:rPr>
-              <a:t>Dirk Eddelbuettel</a:t>
-            </a:r>
-            <a:r>
-              <a:rPr lang="en-CH" sz="1100" dirty="0"/>
-              <a:t>. This cheatsheet was created by </a:t>
-            </a:r>
-            <a:r>
-              <a:rPr lang="en-CH" sz="1100" dirty="0">
-                <a:hlinkClick r:id="rId10"/>
-              </a:rPr>
-              <a:t>Geert van Geest</a:t>
-            </a:r>
-            <a:endParaRPr lang="en-CH" sz="1100" dirty="0"/>
-          </a:p>
-        </p:txBody>
-      </p:sp>
-      <p:sp>
-        <p:nvSpPr>
-          <p:cNvPr id="148" name="TextBox 147">
-            <a:extLst>
-              <a:ext uri="{FF2B5EF4-FFF2-40B4-BE49-F238E27FC236}">
-                <a16:creationId xmlns:a16="http://schemas.microsoft.com/office/drawing/2014/main" id="{21AF555F-1D4E-8F50-29E5-9D77F0F7BD15}"/>
-              </a:ext>
-            </a:extLst>
-          </p:cNvPr>
-          <p:cNvSpPr txBox="1"/>
-          <p:nvPr/>
-        </p:nvSpPr>
-        <p:spPr>
-          <a:xfrm>
-            <a:off x="3172797" y="3219063"/>
-            <a:ext cx="6002734" cy="261610"/>
-          </a:xfrm>
-          <a:prstGeom prst="rect">
-            <a:avLst/>
-          </a:prstGeom>
-          <a:noFill/>
-        </p:spPr>
-        <p:txBody>
-          <a:bodyPr wrap="square" rtlCol="0">
-            <a:spAutoFit/>
-          </a:bodyPr>
-          <a:lstStyle/>
-          <a:p>
-            <a:r>
-              <a:rPr lang="en-CH" sz="1100" b="1" dirty="0">
-                <a:ea typeface="Menlo" panose="020B0609030804020204" pitchFamily="49" charset="0"/>
-                <a:cs typeface="Menlo" panose="020B0609030804020204" pitchFamily="49" charset="0"/>
-              </a:rPr>
-              <a:t>The base images below have many different characteristics. Refer to their docs for a full overview. </a:t>
-            </a:r>
-            <a:endParaRPr lang="en-CH" sz="1100" b="1" dirty="0"/>
-          </a:p>
-        </p:txBody>
-      </p:sp>
     </p:spTree>
     <p:extLst>
       <p:ext uri="{BB962C8B-B14F-4D97-AF65-F5344CB8AC3E}">

--- a/r-docker-cheatsheet/r-docker-cheatsheet.pptx
+++ b/r-docker-cheatsheet/r-docker-cheatsheet.pptx
@@ -2986,7 +2986,7 @@
           <p:nvPr>
             <p:extLst>
               <p:ext uri="{D42A27DB-BD31-4B8C-83A1-F6EECF244321}">
-                <p14:modId xmlns:p14="http://schemas.microsoft.com/office/powerpoint/2010/main" val="598926693"/>
+                <p14:modId xmlns:p14="http://schemas.microsoft.com/office/powerpoint/2010/main" val="2120828585"/>
               </p:ext>
             </p:extLst>
           </p:nvPr>
@@ -4599,7 +4599,7 @@
         </p:nvSpPr>
         <p:spPr>
           <a:xfrm>
-            <a:off x="8450293" y="6024067"/>
+            <a:off x="8420092" y="5459083"/>
             <a:ext cx="1213941" cy="430887"/>
           </a:xfrm>
           <a:prstGeom prst="rect">
@@ -4658,9 +4658,9 @@
           <p:nvPr/>
         </p:nvCxnSpPr>
         <p:spPr>
-          <a:xfrm>
-            <a:off x="8238256" y="6168600"/>
-            <a:ext cx="212037" cy="70911"/>
+          <a:xfrm flipV="1">
+            <a:off x="8238256" y="5674527"/>
+            <a:ext cx="181836" cy="494073"/>
           </a:xfrm>
           <a:prstGeom prst="straightConnector1">
             <a:avLst/>
@@ -4701,7 +4701,7 @@
         </p:nvSpPr>
         <p:spPr>
           <a:xfrm>
-            <a:off x="8571158" y="5640591"/>
+            <a:off x="8540957" y="6037795"/>
             <a:ext cx="1093076" cy="261610"/>
           </a:xfrm>
           <a:prstGeom prst="rect">
@@ -4753,9 +4753,9 @@
           <p:nvPr/>
         </p:nvCxnSpPr>
         <p:spPr>
-          <a:xfrm flipV="1">
-            <a:off x="8238256" y="5771396"/>
-            <a:ext cx="332902" cy="397204"/>
+          <a:xfrm>
+            <a:off x="8238256" y="6168600"/>
+            <a:ext cx="302701" cy="0"/>
           </a:xfrm>
           <a:prstGeom prst="straightConnector1">
             <a:avLst/>
@@ -4845,7 +4845,7 @@
         </p:nvSpPr>
         <p:spPr>
           <a:xfrm>
-            <a:off x="7754025" y="2211919"/>
+            <a:off x="5340822" y="2191217"/>
             <a:ext cx="1881730" cy="1015663"/>
           </a:xfrm>
           <a:prstGeom prst="rect">
@@ -5041,72 +5041,6 @@
       </p:sp>
       <p:sp>
         <p:nvSpPr>
-          <p:cNvPr id="76" name="TextBox 75">
-            <a:extLst>
-              <a:ext uri="{FF2B5EF4-FFF2-40B4-BE49-F238E27FC236}">
-                <a16:creationId xmlns:a16="http://schemas.microsoft.com/office/drawing/2014/main" id="{B0E644BB-5F4C-81F7-CA01-76F09D157837}"/>
-              </a:ext>
-            </a:extLst>
-          </p:cNvPr>
-          <p:cNvSpPr txBox="1"/>
-          <p:nvPr/>
-        </p:nvSpPr>
-        <p:spPr>
-          <a:xfrm>
-            <a:off x="296225" y="1011469"/>
-            <a:ext cx="3007613" cy="400110"/>
-          </a:xfrm>
-          <a:prstGeom prst="rect">
-            <a:avLst/>
-          </a:prstGeom>
-          <a:solidFill>
-            <a:schemeClr val="bg2"/>
-          </a:solidFill>
-        </p:spPr>
-        <p:txBody>
-          <a:bodyPr wrap="square" rtlCol="0">
-            <a:spAutoFit/>
-          </a:bodyPr>
-          <a:lstStyle/>
-          <a:p>
-            <a:r>
-              <a:rPr lang="en-US" sz="1000" b="0" dirty="0">
-                <a:effectLst/>
-                <a:latin typeface="Menlo" panose="020B0609030804020204" pitchFamily="49" charset="0"/>
-              </a:rPr>
-              <a:t>docker build –t namespace/</a:t>
-            </a:r>
-            <a:r>
-              <a:rPr lang="en-US" sz="1000" b="0" dirty="0" err="1">
-                <a:effectLst/>
-                <a:latin typeface="Menlo" panose="020B0609030804020204" pitchFamily="49" charset="0"/>
-              </a:rPr>
-              <a:t>repo:tag</a:t>
-            </a:r>
-            <a:r>
-              <a:rPr lang="en-US" sz="1000" b="0" dirty="0">
-                <a:effectLst/>
-                <a:latin typeface="Menlo" panose="020B0609030804020204" pitchFamily="49" charset="0"/>
-              </a:rPr>
-              <a:t> .</a:t>
-            </a:r>
-          </a:p>
-          <a:p>
-            <a:r>
-              <a:rPr lang="en-US" sz="1000" dirty="0">
-                <a:latin typeface="Menlo" panose="020B0609030804020204" pitchFamily="49" charset="0"/>
-              </a:rPr>
-              <a:t>docker push</a:t>
-            </a:r>
-            <a:endParaRPr lang="en-US" sz="1000" b="0" dirty="0">
-              <a:effectLst/>
-              <a:latin typeface="Menlo" panose="020B0609030804020204" pitchFamily="49" charset="0"/>
-            </a:endParaRPr>
-          </a:p>
-        </p:txBody>
-      </p:sp>
-      <p:sp>
-        <p:nvSpPr>
           <p:cNvPr id="77" name="TextBox 76">
             <a:extLst>
               <a:ext uri="{FF2B5EF4-FFF2-40B4-BE49-F238E27FC236}">
@@ -5119,7 +5053,7 @@
         </p:nvSpPr>
         <p:spPr>
           <a:xfrm>
-            <a:off x="5372730" y="2209964"/>
+            <a:off x="7318821" y="2184354"/>
             <a:ext cx="2276170" cy="1015663"/>
           </a:xfrm>
           <a:prstGeom prst="rect">
@@ -6178,305 +6112,347 @@
           </a:p>
         </p:txBody>
       </p:sp>
-      <p:sp>
-        <p:nvSpPr>
-          <p:cNvPr id="91" name="TextBox 90">
+      <p:grpSp>
+        <p:nvGrpSpPr>
+          <p:cNvPr id="59" name="Group 58">
             <a:extLst>
               <a:ext uri="{FF2B5EF4-FFF2-40B4-BE49-F238E27FC236}">
-                <a16:creationId xmlns:a16="http://schemas.microsoft.com/office/drawing/2014/main" id="{616B0FAD-6207-37AD-C229-72630568CD11}"/>
+                <a16:creationId xmlns:a16="http://schemas.microsoft.com/office/drawing/2014/main" id="{EC3A7AA5-0158-631C-F03D-03E5A87C355B}"/>
               </a:ext>
             </a:extLst>
           </p:cNvPr>
-          <p:cNvSpPr txBox="1"/>
+          <p:cNvGrpSpPr/>
           <p:nvPr/>
-        </p:nvSpPr>
-        <p:spPr>
+        </p:nvGrpSpPr>
+        <p:grpSpPr>
           <a:xfrm>
-            <a:off x="296224" y="1671014"/>
-            <a:ext cx="3007614" cy="400110"/>
+            <a:off x="348362" y="778889"/>
+            <a:ext cx="3007615" cy="664139"/>
+            <a:chOff x="296223" y="1406985"/>
+            <a:chExt cx="3007615" cy="664139"/>
           </a:xfrm>
-          <a:prstGeom prst="rect">
-            <a:avLst/>
-          </a:prstGeom>
-          <a:solidFill>
-            <a:schemeClr val="bg2"/>
-          </a:solidFill>
-        </p:spPr>
-        <p:txBody>
-          <a:bodyPr wrap="square" rtlCol="0">
-            <a:spAutoFit/>
-          </a:bodyPr>
-          <a:lstStyle/>
-          <a:p>
-            <a:r>
-              <a:rPr lang="en-US" sz="1000" b="0" dirty="0">
-                <a:effectLst/>
-                <a:latin typeface="Menlo" panose="020B0609030804020204" pitchFamily="49" charset="0"/>
-              </a:rPr>
-              <a:t>docker run --rm namespace/</a:t>
-            </a:r>
-            <a:r>
-              <a:rPr lang="en-US" sz="1000" b="0" dirty="0" err="1">
-                <a:effectLst/>
-                <a:latin typeface="Menlo" panose="020B0609030804020204" pitchFamily="49" charset="0"/>
-              </a:rPr>
-              <a:t>repo:tag</a:t>
-            </a:r>
-            <a:r>
-              <a:rPr lang="en-US" sz="1000" b="0" dirty="0">
-                <a:effectLst/>
-                <a:latin typeface="Menlo" panose="020B0609030804020204" pitchFamily="49" charset="0"/>
-              </a:rPr>
-              <a:t> \</a:t>
-            </a:r>
-          </a:p>
-          <a:p>
-            <a:r>
-              <a:rPr lang="en-US" sz="1000" b="0" dirty="0" err="1">
-                <a:effectLst/>
-                <a:latin typeface="Menlo" panose="020B0609030804020204" pitchFamily="49" charset="0"/>
-              </a:rPr>
-              <a:t>Rscript</a:t>
-            </a:r>
-            <a:r>
-              <a:rPr lang="en-US" sz="1000" b="0" dirty="0">
-                <a:effectLst/>
-                <a:latin typeface="Menlo" panose="020B0609030804020204" pitchFamily="49" charset="0"/>
-              </a:rPr>
-              <a:t> </a:t>
-            </a:r>
-            <a:r>
-              <a:rPr lang="en-US" sz="1000" b="0" dirty="0" err="1">
-                <a:effectLst/>
-                <a:latin typeface="Menlo" panose="020B0609030804020204" pitchFamily="49" charset="0"/>
-              </a:rPr>
-              <a:t>script.R</a:t>
-            </a:r>
-            <a:endParaRPr lang="en-US" sz="1000" b="0" dirty="0">
-              <a:effectLst/>
-              <a:latin typeface="Menlo" panose="020B0609030804020204" pitchFamily="49" charset="0"/>
-            </a:endParaRPr>
-          </a:p>
-        </p:txBody>
-      </p:sp>
-      <p:sp>
-        <p:nvSpPr>
-          <p:cNvPr id="92" name="TextBox 91">
+        </p:grpSpPr>
+        <p:sp>
+          <p:nvSpPr>
+            <p:cNvPr id="91" name="TextBox 90">
+              <a:extLst>
+                <a:ext uri="{FF2B5EF4-FFF2-40B4-BE49-F238E27FC236}">
+                  <a16:creationId xmlns:a16="http://schemas.microsoft.com/office/drawing/2014/main" id="{616B0FAD-6207-37AD-C229-72630568CD11}"/>
+                </a:ext>
+              </a:extLst>
+            </p:cNvPr>
+            <p:cNvSpPr txBox="1"/>
+            <p:nvPr/>
+          </p:nvSpPr>
+          <p:spPr>
+            <a:xfrm>
+              <a:off x="296224" y="1671014"/>
+              <a:ext cx="3007614" cy="400110"/>
+            </a:xfrm>
+            <a:prstGeom prst="rect">
+              <a:avLst/>
+            </a:prstGeom>
+            <a:solidFill>
+              <a:schemeClr val="bg2"/>
+            </a:solidFill>
+          </p:spPr>
+          <p:txBody>
+            <a:bodyPr wrap="square" rtlCol="0">
+              <a:spAutoFit/>
+            </a:bodyPr>
+            <a:lstStyle/>
+            <a:p>
+              <a:r>
+                <a:rPr lang="en-US" sz="1000" b="0" dirty="0">
+                  <a:effectLst/>
+                  <a:latin typeface="Menlo" panose="020B0609030804020204" pitchFamily="49" charset="0"/>
+                </a:rPr>
+                <a:t>docker run --rm namespace/</a:t>
+              </a:r>
+              <a:r>
+                <a:rPr lang="en-US" sz="1000" b="0" dirty="0" err="1">
+                  <a:effectLst/>
+                  <a:latin typeface="Menlo" panose="020B0609030804020204" pitchFamily="49" charset="0"/>
+                </a:rPr>
+                <a:t>repo:tag</a:t>
+              </a:r>
+              <a:r>
+                <a:rPr lang="en-US" sz="1000" b="0" dirty="0">
+                  <a:effectLst/>
+                  <a:latin typeface="Menlo" panose="020B0609030804020204" pitchFamily="49" charset="0"/>
+                </a:rPr>
+                <a:t> \</a:t>
+              </a:r>
+            </a:p>
+            <a:p>
+              <a:r>
+                <a:rPr lang="en-US" sz="1000" b="0" dirty="0" err="1">
+                  <a:effectLst/>
+                  <a:latin typeface="Menlo" panose="020B0609030804020204" pitchFamily="49" charset="0"/>
+                </a:rPr>
+                <a:t>Rscript</a:t>
+              </a:r>
+              <a:r>
+                <a:rPr lang="en-US" sz="1000" b="0" dirty="0">
+                  <a:effectLst/>
+                  <a:latin typeface="Menlo" panose="020B0609030804020204" pitchFamily="49" charset="0"/>
+                </a:rPr>
+                <a:t> </a:t>
+              </a:r>
+              <a:r>
+                <a:rPr lang="en-US" sz="1000" b="0" dirty="0" err="1">
+                  <a:effectLst/>
+                  <a:latin typeface="Menlo" panose="020B0609030804020204" pitchFamily="49" charset="0"/>
+                </a:rPr>
+                <a:t>script.R</a:t>
+              </a:r>
+              <a:endParaRPr lang="en-US" sz="1000" b="0" dirty="0">
+                <a:effectLst/>
+                <a:latin typeface="Menlo" panose="020B0609030804020204" pitchFamily="49" charset="0"/>
+              </a:endParaRPr>
+            </a:p>
+          </p:txBody>
+        </p:sp>
+        <p:sp>
+          <p:nvSpPr>
+            <p:cNvPr id="92" name="TextBox 91">
+              <a:extLst>
+                <a:ext uri="{FF2B5EF4-FFF2-40B4-BE49-F238E27FC236}">
+                  <a16:creationId xmlns:a16="http://schemas.microsoft.com/office/drawing/2014/main" id="{A247E84A-6521-49F9-B45D-B8A91834B5B6}"/>
+                </a:ext>
+              </a:extLst>
+            </p:cNvPr>
+            <p:cNvSpPr txBox="1"/>
+            <p:nvPr/>
+          </p:nvSpPr>
+          <p:spPr>
+            <a:xfrm>
+              <a:off x="296223" y="1406985"/>
+              <a:ext cx="3007613" cy="261610"/>
+            </a:xfrm>
+            <a:prstGeom prst="rect">
+              <a:avLst/>
+            </a:prstGeom>
+            <a:noFill/>
+          </p:spPr>
+          <p:txBody>
+            <a:bodyPr wrap="square" rtlCol="0">
+              <a:spAutoFit/>
+            </a:bodyPr>
+            <a:lstStyle/>
+            <a:p>
+              <a:r>
+                <a:rPr lang="en-CH" sz="1100" b="1" dirty="0">
+                  <a:ea typeface="Menlo" panose="020B0609030804020204" pitchFamily="49" charset="0"/>
+                  <a:cs typeface="Menlo" panose="020B0609030804020204" pitchFamily="49" charset="0"/>
+                </a:rPr>
+                <a:t>Run code inside container</a:t>
+              </a:r>
+              <a:endParaRPr lang="en-CH" sz="1100" b="1" dirty="0"/>
+            </a:p>
+          </p:txBody>
+        </p:sp>
+      </p:grpSp>
+      <p:grpSp>
+        <p:nvGrpSpPr>
+          <p:cNvPr id="60" name="Group 59">
             <a:extLst>
               <a:ext uri="{FF2B5EF4-FFF2-40B4-BE49-F238E27FC236}">
-                <a16:creationId xmlns:a16="http://schemas.microsoft.com/office/drawing/2014/main" id="{A247E84A-6521-49F9-B45D-B8A91834B5B6}"/>
+                <a16:creationId xmlns:a16="http://schemas.microsoft.com/office/drawing/2014/main" id="{AD4CFB20-9838-1398-463F-6FE832344C38}"/>
               </a:ext>
             </a:extLst>
           </p:cNvPr>
-          <p:cNvSpPr txBox="1"/>
+          <p:cNvGrpSpPr/>
           <p:nvPr/>
-        </p:nvSpPr>
-        <p:spPr>
+        </p:nvGrpSpPr>
+        <p:grpSpPr>
           <a:xfrm>
-            <a:off x="296223" y="1406985"/>
-            <a:ext cx="3007613" cy="261610"/>
+            <a:off x="348362" y="1438875"/>
+            <a:ext cx="3007614" cy="800219"/>
+            <a:chOff x="296223" y="2069348"/>
+            <a:chExt cx="3007614" cy="800219"/>
           </a:xfrm>
-          <a:prstGeom prst="rect">
-            <a:avLst/>
-          </a:prstGeom>
-          <a:noFill/>
-        </p:spPr>
-        <p:txBody>
-          <a:bodyPr wrap="square" rtlCol="0">
-            <a:spAutoFit/>
-          </a:bodyPr>
-          <a:lstStyle/>
-          <a:p>
-            <a:r>
-              <a:rPr lang="en-CH" sz="1100" b="1" dirty="0">
-                <a:ea typeface="Menlo" panose="020B0609030804020204" pitchFamily="49" charset="0"/>
-                <a:cs typeface="Menlo" panose="020B0609030804020204" pitchFamily="49" charset="0"/>
-              </a:rPr>
-              <a:t>Run code inside container</a:t>
-            </a:r>
-            <a:endParaRPr lang="en-CH" sz="1100" b="1" dirty="0"/>
-          </a:p>
-        </p:txBody>
-      </p:sp>
-      <p:sp>
-        <p:nvSpPr>
-          <p:cNvPr id="93" name="TextBox 92">
-            <a:extLst>
-              <a:ext uri="{FF2B5EF4-FFF2-40B4-BE49-F238E27FC236}">
-                <a16:creationId xmlns:a16="http://schemas.microsoft.com/office/drawing/2014/main" id="{0A87A927-E5BF-7F03-04AD-DC2FFBA72F38}"/>
-              </a:ext>
-            </a:extLst>
-          </p:cNvPr>
-          <p:cNvSpPr txBox="1"/>
-          <p:nvPr/>
-        </p:nvSpPr>
-        <p:spPr>
-          <a:xfrm>
-            <a:off x="296223" y="2315569"/>
-            <a:ext cx="3007614" cy="553998"/>
-          </a:xfrm>
-          <a:prstGeom prst="rect">
-            <a:avLst/>
-          </a:prstGeom>
-          <a:solidFill>
-            <a:schemeClr val="bg2"/>
-          </a:solidFill>
-        </p:spPr>
-        <p:txBody>
-          <a:bodyPr wrap="square" rtlCol="0">
-            <a:spAutoFit/>
-          </a:bodyPr>
-          <a:lstStyle/>
-          <a:p>
-            <a:r>
-              <a:rPr lang="en-US" sz="1000" b="0" dirty="0">
-                <a:effectLst/>
-                <a:latin typeface="Menlo" panose="020B0609030804020204" pitchFamily="49" charset="0"/>
-              </a:rPr>
-              <a:t>docker</a:t>
-            </a:r>
-            <a:r>
-              <a:rPr lang="en-US" sz="1000" b="0" dirty="0">
+        </p:grpSpPr>
+        <p:sp>
+          <p:nvSpPr>
+            <p:cNvPr id="93" name="TextBox 92">
+              <a:extLst>
+                <a:ext uri="{FF2B5EF4-FFF2-40B4-BE49-F238E27FC236}">
+                  <a16:creationId xmlns:a16="http://schemas.microsoft.com/office/drawing/2014/main" id="{0A87A927-E5BF-7F03-04AD-DC2FFBA72F38}"/>
+                </a:ext>
+              </a:extLst>
+            </p:cNvPr>
+            <p:cNvSpPr txBox="1"/>
+            <p:nvPr/>
+          </p:nvSpPr>
+          <p:spPr>
+            <a:xfrm>
+              <a:off x="296223" y="2315569"/>
+              <a:ext cx="3007614" cy="553998"/>
+            </a:xfrm>
+            <a:prstGeom prst="rect">
+              <a:avLst/>
+            </a:prstGeom>
+            <a:solidFill>
+              <a:schemeClr val="bg2"/>
+            </a:solidFill>
+          </p:spPr>
+          <p:txBody>
+            <a:bodyPr wrap="square" rtlCol="0">
+              <a:spAutoFit/>
+            </a:bodyPr>
+            <a:lstStyle/>
+            <a:p>
+              <a:r>
+                <a:rPr lang="en-US" sz="1000" b="0" dirty="0">
+                  <a:effectLst/>
+                  <a:latin typeface="Menlo" panose="020B0609030804020204" pitchFamily="49" charset="0"/>
+                </a:rPr>
+                <a:t>docker</a:t>
+              </a:r>
+              <a:r>
+                <a:rPr lang="en-US" sz="1000" b="0" dirty="0">
+                  <a:solidFill>
+                    <a:srgbClr val="000000"/>
+                  </a:solidFill>
+                  <a:effectLst/>
+                  <a:latin typeface="Menlo" panose="020B0609030804020204" pitchFamily="49" charset="0"/>
+                </a:rPr>
+                <a:t> run --rm –</a:t>
+              </a:r>
+              <a:r>
+                <a:rPr lang="en-US" sz="1000" dirty="0">
+                  <a:solidFill>
+                    <a:srgbClr val="000000"/>
+                  </a:solidFill>
+                  <a:latin typeface="Menlo" panose="020B0609030804020204" pitchFamily="49" charset="0"/>
+                </a:rPr>
+                <a:t>it </a:t>
+              </a:r>
+              <a:r>
+                <a:rPr lang="en-US" sz="1000" b="0" dirty="0">
+                  <a:solidFill>
+                    <a:srgbClr val="000000"/>
+                  </a:solidFill>
+                  <a:effectLst/>
+                  <a:latin typeface="Menlo" panose="020B0609030804020204" pitchFamily="49" charset="0"/>
+                </a:rPr>
+                <a:t>-p 8787:8787 \</a:t>
+              </a:r>
+            </a:p>
+            <a:p>
+              <a:r>
+                <a:rPr lang="en-US" sz="1000" b="0" dirty="0">
+                  <a:solidFill>
+                    <a:srgbClr val="000000"/>
+                  </a:solidFill>
+                  <a:effectLst/>
+                  <a:latin typeface="Menlo" panose="020B0609030804020204" pitchFamily="49" charset="0"/>
+                </a:rPr>
+                <a:t>-e PASSWORD=</a:t>
+              </a:r>
+              <a:r>
+                <a:rPr lang="en-US" sz="1000" b="0" dirty="0" err="1">
+                  <a:solidFill>
+                    <a:srgbClr val="000000"/>
+                  </a:solidFill>
+                  <a:effectLst/>
+                  <a:latin typeface="Menlo" panose="020B0609030804020204" pitchFamily="49" charset="0"/>
+                </a:rPr>
+                <a:t>mypassword</a:t>
+              </a:r>
+              <a:r>
+                <a:rPr lang="en-US" sz="1000" b="0" dirty="0">
+                  <a:solidFill>
+                    <a:srgbClr val="000000"/>
+                  </a:solidFill>
+                  <a:effectLst/>
+                  <a:latin typeface="Menlo" panose="020B0609030804020204" pitchFamily="49" charset="0"/>
+                </a:rPr>
+                <a:t> rocker/</a:t>
+              </a:r>
+              <a:r>
+                <a:rPr lang="en-US" sz="1000" b="0" dirty="0" err="1">
+                  <a:solidFill>
+                    <a:srgbClr val="000000"/>
+                  </a:solidFill>
+                  <a:effectLst/>
+                  <a:latin typeface="Menlo" panose="020B0609030804020204" pitchFamily="49" charset="0"/>
+                </a:rPr>
+                <a:t>rstudio</a:t>
+              </a:r>
+              <a:endParaRPr lang="en-US" sz="1000" b="0" dirty="0">
                 <a:solidFill>
                   <a:srgbClr val="000000"/>
                 </a:solidFill>
                 <a:effectLst/>
                 <a:latin typeface="Menlo" panose="020B0609030804020204" pitchFamily="49" charset="0"/>
-              </a:rPr>
-              <a:t> run --rm –</a:t>
-            </a:r>
-            <a:r>
-              <a:rPr lang="en-US" sz="1000" dirty="0">
-                <a:solidFill>
-                  <a:srgbClr val="000000"/>
-                </a:solidFill>
-                <a:latin typeface="Menlo" panose="020B0609030804020204" pitchFamily="49" charset="0"/>
-              </a:rPr>
-              <a:t>it </a:t>
-            </a:r>
-            <a:r>
-              <a:rPr lang="en-US" sz="1000" b="0" dirty="0">
-                <a:solidFill>
-                  <a:srgbClr val="000000"/>
-                </a:solidFill>
-                <a:effectLst/>
-                <a:latin typeface="Menlo" panose="020B0609030804020204" pitchFamily="49" charset="0"/>
-              </a:rPr>
-              <a:t>-p 8787:8787 \</a:t>
-            </a:r>
-          </a:p>
-          <a:p>
-            <a:r>
-              <a:rPr lang="en-US" sz="1000" b="0" dirty="0">
-                <a:solidFill>
-                  <a:srgbClr val="000000"/>
-                </a:solidFill>
-                <a:effectLst/>
-                <a:latin typeface="Menlo" panose="020B0609030804020204" pitchFamily="49" charset="0"/>
-              </a:rPr>
-              <a:t>-e PASSWORD=</a:t>
-            </a:r>
-            <a:r>
-              <a:rPr lang="en-US" sz="1000" b="0" dirty="0" err="1">
-                <a:solidFill>
-                  <a:srgbClr val="000000"/>
-                </a:solidFill>
-                <a:effectLst/>
-                <a:latin typeface="Menlo" panose="020B0609030804020204" pitchFamily="49" charset="0"/>
-              </a:rPr>
-              <a:t>mypassword</a:t>
-            </a:r>
-            <a:r>
-              <a:rPr lang="en-US" sz="1000" b="0" dirty="0">
-                <a:solidFill>
-                  <a:srgbClr val="000000"/>
-                </a:solidFill>
-                <a:effectLst/>
-                <a:latin typeface="Menlo" panose="020B0609030804020204" pitchFamily="49" charset="0"/>
-              </a:rPr>
-              <a:t> rocker/</a:t>
-            </a:r>
-            <a:r>
-              <a:rPr lang="en-US" sz="1000" b="0" dirty="0" err="1">
-                <a:solidFill>
-                  <a:srgbClr val="000000"/>
-                </a:solidFill>
-                <a:effectLst/>
-                <a:latin typeface="Menlo" panose="020B0609030804020204" pitchFamily="49" charset="0"/>
-              </a:rPr>
-              <a:t>rstudio</a:t>
-            </a:r>
-            <a:endParaRPr lang="en-US" sz="1000" b="0" dirty="0">
-              <a:solidFill>
-                <a:srgbClr val="000000"/>
-              </a:solidFill>
-              <a:effectLst/>
-              <a:latin typeface="Menlo" panose="020B0609030804020204" pitchFamily="49" charset="0"/>
-            </a:endParaRPr>
-          </a:p>
-          <a:p>
-            <a:r>
-              <a:rPr lang="en-US" sz="1000" dirty="0">
+              </a:endParaRPr>
+            </a:p>
+            <a:p>
+              <a:r>
+                <a:rPr lang="en-US" sz="1000" dirty="0">
+                  <a:solidFill>
+                    <a:schemeClr val="bg1">
+                      <a:lumMod val="50000"/>
+                    </a:schemeClr>
+                  </a:solidFill>
+                  <a:latin typeface="Menlo" panose="020B0609030804020204" pitchFamily="49" charset="0"/>
+                </a:rPr>
+                <a:t># find it at http://localhost:8787</a:t>
+              </a:r>
+              <a:endParaRPr lang="en-US" sz="1000" b="0" dirty="0">
                 <a:solidFill>
                   <a:schemeClr val="bg1">
                     <a:lumMod val="50000"/>
                   </a:schemeClr>
                 </a:solidFill>
-                <a:latin typeface="Menlo" panose="020B0609030804020204" pitchFamily="49" charset="0"/>
-              </a:rPr>
-              <a:t># find it at http://localhost:8787</a:t>
-            </a:r>
-            <a:endParaRPr lang="en-US" sz="1000" b="0" dirty="0">
-              <a:solidFill>
-                <a:schemeClr val="bg1">
-                  <a:lumMod val="50000"/>
-                </a:schemeClr>
-              </a:solidFill>
-              <a:effectLst/>
-              <a:latin typeface="Menlo" panose="020B0609030804020204" pitchFamily="49" charset="0"/>
-            </a:endParaRPr>
-          </a:p>
-        </p:txBody>
-      </p:sp>
-      <p:sp>
-        <p:nvSpPr>
-          <p:cNvPr id="94" name="TextBox 93">
-            <a:extLst>
-              <a:ext uri="{FF2B5EF4-FFF2-40B4-BE49-F238E27FC236}">
-                <a16:creationId xmlns:a16="http://schemas.microsoft.com/office/drawing/2014/main" id="{01DF326A-2B38-25EB-4E55-144EAFF5A262}"/>
-              </a:ext>
-            </a:extLst>
-          </p:cNvPr>
-          <p:cNvSpPr txBox="1"/>
-          <p:nvPr/>
-        </p:nvSpPr>
-        <p:spPr>
-          <a:xfrm>
-            <a:off x="311009" y="2069348"/>
-            <a:ext cx="2992827" cy="261610"/>
-          </a:xfrm>
-          <a:prstGeom prst="rect">
-            <a:avLst/>
-          </a:prstGeom>
-          <a:noFill/>
-        </p:spPr>
-        <p:txBody>
-          <a:bodyPr wrap="square" rtlCol="0">
-            <a:spAutoFit/>
-          </a:bodyPr>
-          <a:lstStyle/>
-          <a:p>
-            <a:r>
-              <a:rPr lang="en-CH" sz="1100" b="1" dirty="0">
-                <a:ea typeface="Menlo" panose="020B0609030804020204" pitchFamily="49" charset="0"/>
-                <a:cs typeface="Menlo" panose="020B0609030804020204" pitchFamily="49" charset="0"/>
-              </a:rPr>
-              <a:t>Run rocker/rstudio container</a:t>
-            </a:r>
-            <a:endParaRPr lang="en-CH" sz="1100" b="1" dirty="0"/>
-          </a:p>
-        </p:txBody>
-      </p:sp>
+                <a:effectLst/>
+                <a:latin typeface="Menlo" panose="020B0609030804020204" pitchFamily="49" charset="0"/>
+              </a:endParaRPr>
+            </a:p>
+          </p:txBody>
+        </p:sp>
+        <p:sp>
+          <p:nvSpPr>
+            <p:cNvPr id="94" name="TextBox 93">
+              <a:extLst>
+                <a:ext uri="{FF2B5EF4-FFF2-40B4-BE49-F238E27FC236}">
+                  <a16:creationId xmlns:a16="http://schemas.microsoft.com/office/drawing/2014/main" id="{01DF326A-2B38-25EB-4E55-144EAFF5A262}"/>
+                </a:ext>
+              </a:extLst>
+            </p:cNvPr>
+            <p:cNvSpPr txBox="1"/>
+            <p:nvPr/>
+          </p:nvSpPr>
+          <p:spPr>
+            <a:xfrm>
+              <a:off x="311009" y="2069348"/>
+              <a:ext cx="2992827" cy="261610"/>
+            </a:xfrm>
+            <a:prstGeom prst="rect">
+              <a:avLst/>
+            </a:prstGeom>
+            <a:noFill/>
+          </p:spPr>
+          <p:txBody>
+            <a:bodyPr wrap="square" rtlCol="0">
+              <a:spAutoFit/>
+            </a:bodyPr>
+            <a:lstStyle/>
+            <a:p>
+              <a:r>
+                <a:rPr lang="en-CH" sz="1100" b="1" dirty="0">
+                  <a:ea typeface="Menlo" panose="020B0609030804020204" pitchFamily="49" charset="0"/>
+                  <a:cs typeface="Menlo" panose="020B0609030804020204" pitchFamily="49" charset="0"/>
+                </a:rPr>
+                <a:t>Run rocker/rstudio container</a:t>
+              </a:r>
+              <a:endParaRPr lang="en-CH" sz="1100" b="1" dirty="0"/>
+            </a:p>
+          </p:txBody>
+        </p:sp>
+      </p:grpSp>
       <p:sp>
         <p:nvSpPr>
           <p:cNvPr id="111" name="TextBox 110">
@@ -6517,45 +6493,132 @@
           </a:p>
         </p:txBody>
       </p:sp>
-      <p:sp>
-        <p:nvSpPr>
-          <p:cNvPr id="112" name="TextBox 111">
+      <p:grpSp>
+        <p:nvGrpSpPr>
+          <p:cNvPr id="57" name="Group 56">
             <a:extLst>
               <a:ext uri="{FF2B5EF4-FFF2-40B4-BE49-F238E27FC236}">
-                <a16:creationId xmlns:a16="http://schemas.microsoft.com/office/drawing/2014/main" id="{784E53BA-7E47-D099-D406-E5BA6C5F11B5}"/>
+                <a16:creationId xmlns:a16="http://schemas.microsoft.com/office/drawing/2014/main" id="{9A943FBC-B93F-D32D-F26D-34D54F224396}"/>
               </a:ext>
             </a:extLst>
           </p:cNvPr>
-          <p:cNvSpPr txBox="1"/>
+          <p:cNvGrpSpPr/>
           <p:nvPr/>
-        </p:nvSpPr>
-        <p:spPr>
+        </p:nvGrpSpPr>
+        <p:grpSpPr>
           <a:xfrm>
-            <a:off x="296223" y="745353"/>
-            <a:ext cx="3007612" cy="261610"/>
+            <a:off x="348362" y="2238700"/>
+            <a:ext cx="3007615" cy="666226"/>
+            <a:chOff x="296223" y="745353"/>
+            <a:chExt cx="3007615" cy="666226"/>
           </a:xfrm>
-          <a:prstGeom prst="rect">
-            <a:avLst/>
-          </a:prstGeom>
-          <a:noFill/>
-        </p:spPr>
-        <p:txBody>
-          <a:bodyPr wrap="square" rtlCol="0">
-            <a:spAutoFit/>
-          </a:bodyPr>
-          <a:lstStyle/>
-          <a:p>
-            <a:r>
-              <a:rPr lang="en-CH" sz="1100" b="1" dirty="0">
-                <a:ea typeface="Menlo" panose="020B0609030804020204" pitchFamily="49" charset="0"/>
-                <a:cs typeface="Menlo" panose="020B0609030804020204" pitchFamily="49" charset="0"/>
-              </a:rPr>
-              <a:t>Build and push from Dockerfile</a:t>
-            </a:r>
-            <a:endParaRPr lang="en-CH" sz="1100" b="1" dirty="0"/>
-          </a:p>
-        </p:txBody>
-      </p:sp>
+        </p:grpSpPr>
+        <p:sp>
+          <p:nvSpPr>
+            <p:cNvPr id="76" name="TextBox 75">
+              <a:extLst>
+                <a:ext uri="{FF2B5EF4-FFF2-40B4-BE49-F238E27FC236}">
+                  <a16:creationId xmlns:a16="http://schemas.microsoft.com/office/drawing/2014/main" id="{B0E644BB-5F4C-81F7-CA01-76F09D157837}"/>
+                </a:ext>
+              </a:extLst>
+            </p:cNvPr>
+            <p:cNvSpPr txBox="1"/>
+            <p:nvPr/>
+          </p:nvSpPr>
+          <p:spPr>
+            <a:xfrm>
+              <a:off x="296225" y="1011469"/>
+              <a:ext cx="3007613" cy="400110"/>
+            </a:xfrm>
+            <a:prstGeom prst="rect">
+              <a:avLst/>
+            </a:prstGeom>
+            <a:solidFill>
+              <a:schemeClr val="bg2"/>
+            </a:solidFill>
+          </p:spPr>
+          <p:txBody>
+            <a:bodyPr wrap="square" rtlCol="0">
+              <a:spAutoFit/>
+            </a:bodyPr>
+            <a:lstStyle/>
+            <a:p>
+              <a:r>
+                <a:rPr lang="en-US" sz="1000" b="0" dirty="0">
+                  <a:effectLst/>
+                  <a:latin typeface="Menlo" panose="020B0609030804020204" pitchFamily="49" charset="0"/>
+                </a:rPr>
+                <a:t>docker build –t namespace/</a:t>
+              </a:r>
+              <a:r>
+                <a:rPr lang="en-US" sz="1000" b="0" dirty="0" err="1">
+                  <a:effectLst/>
+                  <a:latin typeface="Menlo" panose="020B0609030804020204" pitchFamily="49" charset="0"/>
+                </a:rPr>
+                <a:t>repo:tag</a:t>
+              </a:r>
+              <a:r>
+                <a:rPr lang="en-US" sz="1000" b="0" dirty="0">
+                  <a:effectLst/>
+                  <a:latin typeface="Menlo" panose="020B0609030804020204" pitchFamily="49" charset="0"/>
+                </a:rPr>
+                <a:t> .</a:t>
+              </a:r>
+            </a:p>
+            <a:p>
+              <a:r>
+                <a:rPr lang="en-US" sz="1000" dirty="0">
+                  <a:latin typeface="Menlo" panose="020B0609030804020204" pitchFamily="49" charset="0"/>
+                </a:rPr>
+                <a:t>docker push</a:t>
+              </a:r>
+              <a:endParaRPr lang="en-US" sz="1000" b="0" dirty="0">
+                <a:effectLst/>
+                <a:latin typeface="Menlo" panose="020B0609030804020204" pitchFamily="49" charset="0"/>
+              </a:endParaRPr>
+            </a:p>
+          </p:txBody>
+        </p:sp>
+        <p:sp>
+          <p:nvSpPr>
+            <p:cNvPr id="112" name="TextBox 111">
+              <a:extLst>
+                <a:ext uri="{FF2B5EF4-FFF2-40B4-BE49-F238E27FC236}">
+                  <a16:creationId xmlns:a16="http://schemas.microsoft.com/office/drawing/2014/main" id="{784E53BA-7E47-D099-D406-E5BA6C5F11B5}"/>
+                </a:ext>
+              </a:extLst>
+            </p:cNvPr>
+            <p:cNvSpPr txBox="1"/>
+            <p:nvPr/>
+          </p:nvSpPr>
+          <p:spPr>
+            <a:xfrm>
+              <a:off x="296223" y="745353"/>
+              <a:ext cx="3007612" cy="261610"/>
+            </a:xfrm>
+            <a:prstGeom prst="rect">
+              <a:avLst/>
+            </a:prstGeom>
+            <a:noFill/>
+          </p:spPr>
+          <p:txBody>
+            <a:bodyPr wrap="square" rtlCol="0">
+              <a:spAutoFit/>
+            </a:bodyPr>
+            <a:lstStyle/>
+            <a:p>
+              <a:r>
+                <a:rPr lang="en-CH" sz="1100" b="1" dirty="0">
+                  <a:ea typeface="Menlo" panose="020B0609030804020204" pitchFamily="49" charset="0"/>
+                  <a:cs typeface="Menlo" panose="020B0609030804020204" pitchFamily="49" charset="0"/>
+                </a:rPr>
+                <a:t>Build and push from Dockerfile</a:t>
+              </a:r>
+              <a:endParaRPr lang="en-CH" sz="1100" b="1" dirty="0"/>
+            </a:p>
+          </p:txBody>
+        </p:sp>
+      </p:grpSp>
       <p:sp>
         <p:nvSpPr>
           <p:cNvPr id="116" name="TextBox 115">
@@ -7360,6 +7423,51 @@
           <a:xfrm>
             <a:off x="9070394" y="3714830"/>
             <a:ext cx="0" cy="265389"/>
+          </a:xfrm>
+          <a:prstGeom prst="straightConnector1">
+            <a:avLst/>
+          </a:prstGeom>
+          <a:ln w="38100">
+            <a:solidFill>
+              <a:schemeClr val="tx1"/>
+            </a:solidFill>
+            <a:tailEnd type="triangle"/>
+          </a:ln>
+        </p:spPr>
+        <p:style>
+          <a:lnRef idx="1">
+            <a:schemeClr val="accent1"/>
+          </a:lnRef>
+          <a:fillRef idx="0">
+            <a:schemeClr val="accent1"/>
+          </a:fillRef>
+          <a:effectRef idx="0">
+            <a:schemeClr val="accent1"/>
+          </a:effectRef>
+          <a:fontRef idx="minor">
+            <a:schemeClr val="tx1"/>
+          </a:fontRef>
+        </p:style>
+      </p:cxnSp>
+      <p:cxnSp>
+        <p:nvCxnSpPr>
+          <p:cNvPr id="51" name="Straight Arrow Connector 50">
+            <a:extLst>
+              <a:ext uri="{FF2B5EF4-FFF2-40B4-BE49-F238E27FC236}">
+                <a16:creationId xmlns:a16="http://schemas.microsoft.com/office/drawing/2014/main" id="{CD9A8FFA-8445-820C-69EB-53F7918FC03C}"/>
+              </a:ext>
+            </a:extLst>
+          </p:cNvPr>
+          <p:cNvCxnSpPr>
+            <a:cxnSpLocks/>
+            <a:stCxn id="43" idx="0"/>
+          </p:cNvCxnSpPr>
+          <p:nvPr/>
+        </p:nvCxnSpPr>
+        <p:spPr>
+          <a:xfrm flipV="1">
+            <a:off x="9070394" y="3154622"/>
+            <a:ext cx="0" cy="283209"/>
           </a:xfrm>
           <a:prstGeom prst="straightConnector1">
             <a:avLst/>

--- a/r-docker-cheatsheet/r-docker-cheatsheet.pptx
+++ b/r-docker-cheatsheet/r-docker-cheatsheet.pptx
@@ -2986,14 +2986,14 @@
           <p:nvPr>
             <p:extLst>
               <p:ext uri="{D42A27DB-BD31-4B8C-83A1-F6EECF244321}">
-                <p14:modId xmlns:p14="http://schemas.microsoft.com/office/powerpoint/2010/main" val="2120828585"/>
+                <p14:modId xmlns:p14="http://schemas.microsoft.com/office/powerpoint/2010/main" val="1990669614"/>
               </p:ext>
             </p:extLst>
           </p:nvPr>
         </p:nvGraphicFramePr>
         <p:xfrm>
-          <a:off x="2905253" y="3980219"/>
-          <a:ext cx="6752868" cy="1213475"/>
+          <a:off x="3683282" y="4463930"/>
+          <a:ext cx="5985278" cy="1213475"/>
         </p:xfrm>
         <a:graphic>
           <a:graphicData uri="http://schemas.openxmlformats.org/drawingml/2006/table">
@@ -3002,42 +3002,42 @@
                 <a:tableStyleId>{5940675A-B579-460E-94D1-54222C63F5DA}</a:tableStyleId>
               </a:tblPr>
               <a:tblGrid>
-                <a:gridCol w="1125478">
+                <a:gridCol w="1086128">
                   <a:extLst>
                     <a:ext uri="{9D8B030D-6E8A-4147-A177-3AD203B41FA5}">
                       <a16:colId xmlns:a16="http://schemas.microsoft.com/office/drawing/2014/main" val="254381915"/>
                     </a:ext>
                   </a:extLst>
                 </a:gridCol>
-                <a:gridCol w="1125478">
+                <a:gridCol w="872552">
                   <a:extLst>
                     <a:ext uri="{9D8B030D-6E8A-4147-A177-3AD203B41FA5}">
                       <a16:colId xmlns:a16="http://schemas.microsoft.com/office/drawing/2014/main" val="4083587775"/>
                     </a:ext>
                   </a:extLst>
                 </a:gridCol>
-                <a:gridCol w="1125478">
+                <a:gridCol w="927088">
                   <a:extLst>
                     <a:ext uri="{9D8B030D-6E8A-4147-A177-3AD203B41FA5}">
                       <a16:colId xmlns:a16="http://schemas.microsoft.com/office/drawing/2014/main" val="2554840950"/>
                     </a:ext>
                   </a:extLst>
                 </a:gridCol>
-                <a:gridCol w="1125478">
+                <a:gridCol w="1014343">
                   <a:extLst>
                     <a:ext uri="{9D8B030D-6E8A-4147-A177-3AD203B41FA5}">
                       <a16:colId xmlns:a16="http://schemas.microsoft.com/office/drawing/2014/main" val="1390180869"/>
                     </a:ext>
                   </a:extLst>
                 </a:gridCol>
-                <a:gridCol w="1125478">
+                <a:gridCol w="1036156">
                   <a:extLst>
                     <a:ext uri="{9D8B030D-6E8A-4147-A177-3AD203B41FA5}">
                       <a16:colId xmlns:a16="http://schemas.microsoft.com/office/drawing/2014/main" val="4124837353"/>
                     </a:ext>
                   </a:extLst>
                 </a:gridCol>
-                <a:gridCol w="1125478">
+                <a:gridCol w="1049011">
                   <a:extLst>
                     <a:ext uri="{9D8B030D-6E8A-4147-A177-3AD203B41FA5}">
                       <a16:colId xmlns:a16="http://schemas.microsoft.com/office/drawing/2014/main" val="2548146913"/>
@@ -3529,12 +3529,12 @@
                     <a:p>
                       <a:pPr algn="ctr" rtl="0" fontAlgn="ctr"/>
                       <a:r>
-                        <a:rPr lang="en-US" sz="1100" u="none" strike="noStrike">
+                        <a:rPr lang="en-US" sz="1100" u="none" strike="noStrike" dirty="0">
                           <a:effectLst/>
                         </a:rPr>
                         <a:t>Yes</a:t>
                       </a:r>
-                      <a:endParaRPr lang="en-US" sz="1100" b="0" i="0" u="none" strike="noStrike">
+                      <a:endParaRPr lang="en-US" sz="1100" b="0" i="0" u="none" strike="noStrike" dirty="0">
                         <a:solidFill>
                           <a:srgbClr val="000000"/>
                         </a:solidFill>
@@ -3774,7 +3774,7 @@
                     <a:bodyPr/>
                     <a:lstStyle/>
                     <a:p>
-                      <a:pPr algn="ctr" rtl="0" fontAlgn="ctr"/>
+                      <a:pPr algn="r" rtl="0" fontAlgn="ctr"/>
                       <a:r>
                         <a:rPr lang="en-US" sz="1100" u="none" strike="noStrike" dirty="0">
                           <a:effectLst/>
@@ -3814,7 +3814,7 @@
                     <a:bodyPr/>
                     <a:lstStyle/>
                     <a:p>
-                      <a:pPr algn="ctr" rtl="0" fontAlgn="ctr"/>
+                      <a:pPr algn="r" rtl="0" fontAlgn="ctr"/>
                       <a:r>
                         <a:rPr lang="en-US" sz="1100" b="0" i="0" u="none" strike="noStrike" dirty="0">
                           <a:solidFill>
@@ -4029,7 +4029,7 @@
         </p:nvSpPr>
         <p:spPr>
           <a:xfrm>
-            <a:off x="2879332" y="5593180"/>
+            <a:off x="3010817" y="5792883"/>
             <a:ext cx="966952" cy="430887"/>
           </a:xfrm>
           <a:prstGeom prst="rect">
@@ -4078,7 +4078,7 @@
         </p:nvSpPr>
         <p:spPr>
           <a:xfrm>
-            <a:off x="4186541" y="5352697"/>
+            <a:off x="4287479" y="5794672"/>
             <a:ext cx="1196058" cy="430887"/>
           </a:xfrm>
           <a:prstGeom prst="rect">
@@ -4127,8 +4127,8 @@
         </p:nvSpPr>
         <p:spPr>
           <a:xfrm>
-            <a:off x="4051419" y="5900550"/>
-            <a:ext cx="1460929" cy="600164"/>
+            <a:off x="3683282" y="6304954"/>
+            <a:ext cx="1800255" cy="430887"/>
           </a:xfrm>
           <a:prstGeom prst="rect">
             <a:avLst/>
@@ -4176,7 +4176,7 @@
         </p:nvSpPr>
         <p:spPr>
           <a:xfrm>
-            <a:off x="5813999" y="5335622"/>
+            <a:off x="5808508" y="5807345"/>
             <a:ext cx="1093076" cy="430887"/>
           </a:xfrm>
           <a:prstGeom prst="rect">
@@ -4225,7 +4225,7 @@
         </p:nvSpPr>
         <p:spPr>
           <a:xfrm>
-            <a:off x="7168680" y="5370259"/>
+            <a:off x="7177645" y="5948212"/>
             <a:ext cx="1093076" cy="430887"/>
           </a:xfrm>
           <a:prstGeom prst="rect">
@@ -4277,9 +4277,9 @@
           <p:nvPr/>
         </p:nvCxnSpPr>
         <p:spPr>
-          <a:xfrm flipV="1">
-            <a:off x="3846284" y="5568141"/>
-            <a:ext cx="340257" cy="240483"/>
+          <a:xfrm>
+            <a:off x="3977769" y="6008327"/>
+            <a:ext cx="309710" cy="1789"/>
           </a:xfrm>
           <a:prstGeom prst="straightConnector1">
             <a:avLst/>
@@ -4323,9 +4323,9 @@
           <p:nvPr/>
         </p:nvCxnSpPr>
         <p:spPr>
-          <a:xfrm flipV="1">
-            <a:off x="5382599" y="5551066"/>
-            <a:ext cx="431400" cy="17075"/>
+          <a:xfrm>
+            <a:off x="5483537" y="6010116"/>
+            <a:ext cx="324971" cy="12673"/>
           </a:xfrm>
           <a:prstGeom prst="straightConnector1">
             <a:avLst/>
@@ -4370,8 +4370,8 @@
         </p:nvCxnSpPr>
         <p:spPr>
           <a:xfrm flipV="1">
-            <a:off x="6907075" y="5585703"/>
-            <a:ext cx="261605" cy="530291"/>
+            <a:off x="6881751" y="6163656"/>
+            <a:ext cx="295894" cy="364596"/>
           </a:xfrm>
           <a:prstGeom prst="straightConnector1">
             <a:avLst/>
@@ -4409,15 +4409,15 @@
           </p:cNvPr>
           <p:cNvCxnSpPr>
             <a:cxnSpLocks/>
-            <a:stCxn id="12" idx="3"/>
+            <a:stCxn id="12" idx="2"/>
             <a:endCxn id="14" idx="1"/>
           </p:cNvCxnSpPr>
           <p:nvPr/>
         </p:nvCxnSpPr>
         <p:spPr>
           <a:xfrm>
-            <a:off x="3846284" y="5808624"/>
-            <a:ext cx="205135" cy="392008"/>
+            <a:off x="3494293" y="6223770"/>
+            <a:ext cx="188989" cy="296628"/>
           </a:xfrm>
           <a:prstGeom prst="straightConnector1">
             <a:avLst/>
@@ -4462,8 +4462,8 @@
         </p:nvCxnSpPr>
         <p:spPr>
           <a:xfrm>
-            <a:off x="5382599" y="5568141"/>
-            <a:ext cx="431400" cy="547853"/>
+            <a:off x="5483537" y="6010116"/>
+            <a:ext cx="305138" cy="518136"/>
           </a:xfrm>
           <a:prstGeom prst="straightConnector1">
             <a:avLst/>
@@ -4508,8 +4508,8 @@
         </p:nvCxnSpPr>
         <p:spPr>
           <a:xfrm>
-            <a:off x="6907075" y="6115994"/>
-            <a:ext cx="238105" cy="52606"/>
+            <a:off x="6881751" y="6528252"/>
+            <a:ext cx="256228" cy="76017"/>
           </a:xfrm>
           <a:prstGeom prst="straightConnector1">
             <a:avLst/>
@@ -4550,7 +4550,7 @@
         </p:nvSpPr>
         <p:spPr>
           <a:xfrm>
-            <a:off x="7145180" y="6037795"/>
+            <a:off x="7137979" y="6473464"/>
             <a:ext cx="1093076" cy="261610"/>
           </a:xfrm>
           <a:prstGeom prst="rect">
@@ -4599,7 +4599,7 @@
         </p:nvSpPr>
         <p:spPr>
           <a:xfrm>
-            <a:off x="8420092" y="5459083"/>
+            <a:off x="8455200" y="5984652"/>
             <a:ext cx="1213941" cy="430887"/>
           </a:xfrm>
           <a:prstGeom prst="rect">
@@ -4659,8 +4659,8 @@
         </p:nvCxnSpPr>
         <p:spPr>
           <a:xfrm flipV="1">
-            <a:off x="8238256" y="5674527"/>
-            <a:ext cx="181836" cy="494073"/>
+            <a:off x="8231055" y="6200096"/>
+            <a:ext cx="224145" cy="404173"/>
           </a:xfrm>
           <a:prstGeom prst="straightConnector1">
             <a:avLst/>
@@ -4701,7 +4701,7 @@
         </p:nvSpPr>
         <p:spPr>
           <a:xfrm>
-            <a:off x="8540957" y="6037795"/>
+            <a:off x="8515633" y="6473464"/>
             <a:ext cx="1093076" cy="261610"/>
           </a:xfrm>
           <a:prstGeom prst="rect">
@@ -4754,8 +4754,8 @@
         </p:nvCxnSpPr>
         <p:spPr>
           <a:xfrm>
-            <a:off x="8238256" y="6168600"/>
-            <a:ext cx="302701" cy="0"/>
+            <a:off x="8231055" y="6604269"/>
+            <a:ext cx="284578" cy="0"/>
           </a:xfrm>
           <a:prstGeom prst="straightConnector1">
             <a:avLst/>
@@ -4796,7 +4796,7 @@
         </p:nvSpPr>
         <p:spPr>
           <a:xfrm>
-            <a:off x="5813999" y="5900550"/>
+            <a:off x="5788675" y="6312808"/>
             <a:ext cx="1093076" cy="430887"/>
           </a:xfrm>
           <a:prstGeom prst="rect">
@@ -4845,8 +4845,8 @@
         </p:nvSpPr>
         <p:spPr>
           <a:xfrm>
-            <a:off x="5340822" y="2191217"/>
-            <a:ext cx="1881730" cy="1015663"/>
+            <a:off x="3104746" y="2189346"/>
+            <a:ext cx="1836823" cy="861774"/>
           </a:xfrm>
           <a:prstGeom prst="rect">
             <a:avLst/>
@@ -4988,54 +4988,8 @@
                 <a:effectLst/>
                 <a:latin typeface="Menlo" panose="020B0609030804020204" pitchFamily="49" charset="0"/>
               </a:rPr>
-              <a:t>    DT </a:t>
-            </a:r>
-            <a:r>
-              <a:rPr lang="en-US" sz="1000" b="0" dirty="0">
-                <a:solidFill>
-                  <a:srgbClr val="0000FF"/>
-                </a:solidFill>
-                <a:effectLst/>
-                <a:latin typeface="Menlo" panose="020B0609030804020204" pitchFamily="49" charset="0"/>
-              </a:rPr>
-              <a:t>\</a:t>
-            </a:r>
-            <a:endParaRPr lang="en-US" sz="1000" b="0" dirty="0">
-              <a:solidFill>
-                <a:srgbClr val="000000"/>
-              </a:solidFill>
-              <a:effectLst/>
-              <a:latin typeface="Menlo" panose="020B0609030804020204" pitchFamily="49" charset="0"/>
-            </a:endParaRPr>
-          </a:p>
-          <a:p>
-            <a:r>
-              <a:rPr lang="en-US" sz="1000" b="0" dirty="0">
-                <a:solidFill>
-                  <a:srgbClr val="000000"/>
-                </a:solidFill>
-                <a:effectLst/>
-                <a:latin typeface="Menlo" panose="020B0609030804020204" pitchFamily="49" charset="0"/>
-              </a:rPr>
-              <a:t>    </a:t>
-            </a:r>
-            <a:r>
-              <a:rPr lang="en-US" sz="1000" b="0" dirty="0" err="1">
-                <a:solidFill>
-                  <a:srgbClr val="000000"/>
-                </a:solidFill>
-                <a:effectLst/>
-                <a:latin typeface="Menlo" panose="020B0609030804020204" pitchFamily="49" charset="0"/>
-              </a:rPr>
-              <a:t>Biostrings</a:t>
-            </a:r>
-            <a:endParaRPr lang="en-US" sz="1000" b="0" dirty="0">
-              <a:solidFill>
-                <a:srgbClr val="000000"/>
-              </a:solidFill>
-              <a:effectLst/>
-              <a:latin typeface="Menlo" panose="020B0609030804020204" pitchFamily="49" charset="0"/>
-            </a:endParaRPr>
+              <a:t>    DT</a:t>
+            </a:r>
           </a:p>
         </p:txBody>
       </p:sp>
@@ -5053,8 +5007,8 @@
         </p:nvSpPr>
         <p:spPr>
           <a:xfrm>
-            <a:off x="7318821" y="2184354"/>
-            <a:ext cx="2276170" cy="1015663"/>
+            <a:off x="7319996" y="2195840"/>
+            <a:ext cx="2276170" cy="861774"/>
           </a:xfrm>
           <a:prstGeom prst="rect">
             <a:avLst/>
@@ -5217,35 +5171,6 @@
                 <a:latin typeface="Menlo" panose="020B0609030804020204" pitchFamily="49" charset="0"/>
               </a:rPr>
               <a:t>    DT </a:t>
-            </a:r>
-            <a:r>
-              <a:rPr lang="en-US" sz="1000" b="0" dirty="0">
-                <a:solidFill>
-                  <a:srgbClr val="0000FF"/>
-                </a:solidFill>
-                <a:effectLst/>
-                <a:latin typeface="Menlo" panose="020B0609030804020204" pitchFamily="49" charset="0"/>
-              </a:rPr>
-              <a:t>\</a:t>
-            </a:r>
-            <a:endParaRPr lang="en-US" sz="1000" b="0" dirty="0">
-              <a:solidFill>
-                <a:srgbClr val="000000"/>
-              </a:solidFill>
-              <a:effectLst/>
-              <a:latin typeface="Menlo" panose="020B0609030804020204" pitchFamily="49" charset="0"/>
-            </a:endParaRPr>
-          </a:p>
-          <a:p>
-            <a:r>
-              <a:rPr lang="en-US" sz="1000" b="0" dirty="0">
-                <a:solidFill>
-                  <a:srgbClr val="000000"/>
-                </a:solidFill>
-                <a:effectLst/>
-                <a:latin typeface="Menlo" panose="020B0609030804020204" pitchFamily="49" charset="0"/>
-              </a:rPr>
-              <a:t>    </a:t>
             </a:r>
             <a:r>
               <a:rPr lang="en-US" sz="1000" b="0" dirty="0" err="1">
@@ -5281,8 +5206,8 @@
         </p:nvSpPr>
         <p:spPr>
           <a:xfrm>
-            <a:off x="7162566" y="786062"/>
-            <a:ext cx="2433600" cy="1323439"/>
+            <a:off x="7065002" y="723002"/>
+            <a:ext cx="2531164" cy="1323439"/>
           </a:xfrm>
           <a:prstGeom prst="rect">
             <a:avLst/>
@@ -5610,8 +5535,8 @@
         </p:nvSpPr>
         <p:spPr>
           <a:xfrm>
-            <a:off x="4634012" y="789579"/>
-            <a:ext cx="2413242" cy="1323439"/>
+            <a:off x="4354631" y="728089"/>
+            <a:ext cx="2527120" cy="1323439"/>
           </a:xfrm>
           <a:prstGeom prst="rect">
             <a:avLst/>
@@ -5931,8 +5856,8 @@
         </p:nvSpPr>
         <p:spPr>
           <a:xfrm>
-            <a:off x="296223" y="4595652"/>
-            <a:ext cx="2389176" cy="938719"/>
+            <a:off x="2864924" y="3214428"/>
+            <a:ext cx="1977815" cy="938719"/>
           </a:xfrm>
           <a:prstGeom prst="rect">
             <a:avLst/>
@@ -5959,8 +5884,28 @@
           <a:lstStyle/>
           <a:p>
             <a:r>
+              <a:rPr lang="en-CH" sz="1100" b="1" dirty="0">
+                <a:solidFill>
+                  <a:schemeClr val="accent6"/>
+                </a:solidFill>
+              </a:rPr>
+              <a:t>Binary</a:t>
+            </a:r>
+            <a:r>
               <a:rPr lang="en-CH" sz="1100" b="1" dirty="0"/>
-              <a:t>Binary or source installation?</a:t>
+              <a:t> or </a:t>
+            </a:r>
+            <a:r>
+              <a:rPr lang="en-CH" sz="1100" b="1" dirty="0">
+                <a:solidFill>
+                  <a:srgbClr val="C00000"/>
+                </a:solidFill>
+              </a:rPr>
+              <a:t>source</a:t>
+            </a:r>
+            <a:r>
+              <a:rPr lang="en-CH" sz="1100" b="1" dirty="0"/>
+              <a:t> installation?</a:t>
             </a:r>
           </a:p>
           <a:p>
@@ -5972,9 +5917,12 @@
               <a:rPr lang="en-CH" sz="1100" i="1" dirty="0"/>
               <a:t>binary installation is recommended</a:t>
             </a:r>
+            <a:endParaRPr lang="en-CH" sz="1100" dirty="0"/>
+          </a:p>
+          <a:p>
             <a:r>
               <a:rPr lang="en-CH" sz="1100" dirty="0"/>
-              <a:t>. It’s faster and it’s easier to handle dependencies.</a:t>
+              <a:t>It’s faster and it’s easier to handle dependencies.</a:t>
             </a:r>
           </a:p>
         </p:txBody>
@@ -6046,7 +5994,7 @@
         </p:nvSpPr>
         <p:spPr>
           <a:xfrm>
-            <a:off x="3426697" y="478502"/>
+            <a:off x="3102996" y="436030"/>
             <a:ext cx="2710371" cy="307777"/>
           </a:xfrm>
           <a:prstGeom prst="rect">
@@ -6086,7 +6034,7 @@
         </p:nvSpPr>
         <p:spPr>
           <a:xfrm>
-            <a:off x="296224" y="471710"/>
+            <a:off x="303773" y="482197"/>
             <a:ext cx="3007612" cy="307777"/>
           </a:xfrm>
           <a:prstGeom prst="rect">
@@ -6127,9 +6075,9 @@
         <p:grpSpPr>
           <a:xfrm>
             <a:off x="348362" y="778889"/>
-            <a:ext cx="3007615" cy="664139"/>
+            <a:ext cx="3007613" cy="664139"/>
             <a:chOff x="296223" y="1406985"/>
-            <a:chExt cx="3007615" cy="664139"/>
+            <a:chExt cx="3007613" cy="664139"/>
           </a:xfrm>
         </p:grpSpPr>
         <p:sp>
@@ -6147,7 +6095,7 @@
           <p:spPr>
             <a:xfrm>
               <a:off x="296224" y="1671014"/>
-              <a:ext cx="3007614" cy="400110"/>
+              <a:ext cx="2568525" cy="400110"/>
             </a:xfrm>
             <a:prstGeom prst="rect">
               <a:avLst/>
@@ -6167,7 +6115,7 @@
                   <a:effectLst/>
                   <a:latin typeface="Menlo" panose="020B0609030804020204" pitchFamily="49" charset="0"/>
                 </a:rPr>
-                <a:t>docker run --rm namespace/</a:t>
+                <a:t>docker run –it \ namespace/</a:t>
               </a:r>
               <a:r>
                 <a:rPr lang="en-US" sz="1000" b="0" dirty="0" err="1">
@@ -6181,35 +6129,8 @@
                   <a:effectLst/>
                   <a:latin typeface="Menlo" panose="020B0609030804020204" pitchFamily="49" charset="0"/>
                 </a:rPr>
-                <a:t> \</a:t>
-              </a:r>
-            </a:p>
-            <a:p>
-              <a:r>
-                <a:rPr lang="en-US" sz="1000" b="0" dirty="0" err="1">
-                  <a:effectLst/>
-                  <a:latin typeface="Menlo" panose="020B0609030804020204" pitchFamily="49" charset="0"/>
-                </a:rPr>
-                <a:t>Rscript</a:t>
-              </a:r>
-              <a:r>
-                <a:rPr lang="en-US" sz="1000" b="0" dirty="0">
-                  <a:effectLst/>
-                  <a:latin typeface="Menlo" panose="020B0609030804020204" pitchFamily="49" charset="0"/>
-                </a:rPr>
                 <a:t> </a:t>
               </a:r>
-              <a:r>
-                <a:rPr lang="en-US" sz="1000" b="0" dirty="0" err="1">
-                  <a:effectLst/>
-                  <a:latin typeface="Menlo" panose="020B0609030804020204" pitchFamily="49" charset="0"/>
-                </a:rPr>
-                <a:t>script.R</a:t>
-              </a:r>
-              <a:endParaRPr lang="en-US" sz="1000" b="0" dirty="0">
-                <a:effectLst/>
-                <a:latin typeface="Menlo" panose="020B0609030804020204" pitchFamily="49" charset="0"/>
-              </a:endParaRPr>
             </a:p>
           </p:txBody>
         </p:sp>
@@ -6246,7 +6167,7 @@
                   <a:ea typeface="Menlo" panose="020B0609030804020204" pitchFamily="49" charset="0"/>
                   <a:cs typeface="Menlo" panose="020B0609030804020204" pitchFamily="49" charset="0"/>
                 </a:rPr>
-                <a:t>Run code inside container</a:t>
+                <a:t>Run container interactively</a:t>
               </a:r>
               <a:endParaRPr lang="en-CH" sz="1100" b="1" dirty="0"/>
             </a:p>
@@ -6268,9 +6189,9 @@
         <p:grpSpPr>
           <a:xfrm>
             <a:off x="348362" y="1438875"/>
-            <a:ext cx="3007614" cy="800219"/>
+            <a:ext cx="3007613" cy="800219"/>
             <a:chOff x="296223" y="2069348"/>
-            <a:chExt cx="3007614" cy="800219"/>
+            <a:chExt cx="3007613" cy="800219"/>
           </a:xfrm>
         </p:grpSpPr>
         <p:sp>
@@ -6288,7 +6209,7 @@
           <p:spPr>
             <a:xfrm>
               <a:off x="296223" y="2315569"/>
-              <a:ext cx="3007614" cy="553998"/>
+              <a:ext cx="2568524" cy="553998"/>
             </a:xfrm>
             <a:prstGeom prst="rect">
               <a:avLst/>
@@ -6318,7 +6239,19 @@
                   <a:effectLst/>
                   <a:latin typeface="Menlo" panose="020B0609030804020204" pitchFamily="49" charset="0"/>
                 </a:rPr>
-                <a:t> run --rm –</a:t>
+                <a:t> run --rm -p 8787:8787 \</a:t>
+              </a:r>
+            </a:p>
+            <a:p>
+              <a:r>
+                <a:rPr lang="en-US" sz="1000" b="0" dirty="0">
+                  <a:solidFill>
+                    <a:srgbClr val="000000"/>
+                  </a:solidFill>
+                  <a:effectLst/>
+                  <a:latin typeface="Menlo" panose="020B0609030804020204" pitchFamily="49" charset="0"/>
+                </a:rPr>
+                <a:t> –</a:t>
               </a:r>
               <a:r>
                 <a:rPr lang="en-US" sz="1000" dirty="0">
@@ -6329,18 +6262,6 @@
                 </a:rPr>
                 <a:t>it </a:t>
               </a:r>
-              <a:r>
-                <a:rPr lang="en-US" sz="1000" b="0" dirty="0">
-                  <a:solidFill>
-                    <a:srgbClr val="000000"/>
-                  </a:solidFill>
-                  <a:effectLst/>
-                  <a:latin typeface="Menlo" panose="020B0609030804020204" pitchFamily="49" charset="0"/>
-                </a:rPr>
-                <a:t>-p 8787:8787 \</a:t>
-              </a:r>
-            </a:p>
-            <a:p>
               <a:r>
                 <a:rPr lang="en-US" sz="1000" b="0" dirty="0">
                   <a:solidFill>
@@ -6369,7 +6290,19 @@
                   <a:effectLst/>
                   <a:latin typeface="Menlo" panose="020B0609030804020204" pitchFamily="49" charset="0"/>
                 </a:rPr>
-                <a:t> rocker/</a:t>
+                <a:t> \</a:t>
+              </a:r>
+            </a:p>
+            <a:p>
+              <a:r>
+                <a:rPr lang="en-US" sz="1000" b="0" dirty="0">
+                  <a:solidFill>
+                    <a:srgbClr val="000000"/>
+                  </a:solidFill>
+                  <a:effectLst/>
+                  <a:latin typeface="Menlo" panose="020B0609030804020204" pitchFamily="49" charset="0"/>
+                </a:rPr>
+                <a:t>rocker/</a:t>
               </a:r>
               <a:r>
                 <a:rPr lang="en-US" sz="1000" b="0" dirty="0" err="1">
@@ -6384,28 +6317,6 @@
               <a:endParaRPr lang="en-US" sz="1000" b="0" dirty="0">
                 <a:solidFill>
                   <a:srgbClr val="000000"/>
-                </a:solidFill>
-                <a:effectLst/>
-                <a:latin typeface="Menlo" panose="020B0609030804020204" pitchFamily="49" charset="0"/>
-              </a:endParaRPr>
-            </a:p>
-            <a:p>
-              <a:r>
-                <a:rPr lang="en-US" sz="1000" dirty="0">
-                  <a:solidFill>
-                    <a:schemeClr val="bg1">
-                      <a:lumMod val="50000"/>
-                    </a:schemeClr>
-                  </a:solidFill>
-                  <a:latin typeface="Menlo" panose="020B0609030804020204" pitchFamily="49" charset="0"/>
-                </a:rPr>
-                <a:t># find it at http://localhost:8787</a:t>
-              </a:r>
-              <a:endParaRPr lang="en-US" sz="1000" b="0" dirty="0">
-                <a:solidFill>
-                  <a:schemeClr val="bg1">
-                    <a:lumMod val="50000"/>
-                  </a:schemeClr>
                 </a:solidFill>
                 <a:effectLst/>
                 <a:latin typeface="Menlo" panose="020B0609030804020204" pitchFamily="49" charset="0"/>
@@ -6467,7 +6378,7 @@
         </p:nvSpPr>
         <p:spPr>
           <a:xfrm>
-            <a:off x="2900157" y="3397800"/>
+            <a:off x="4939480" y="3744654"/>
             <a:ext cx="4154210" cy="307777"/>
           </a:xfrm>
           <a:prstGeom prst="rect">
@@ -6508,9 +6419,9 @@
         <p:grpSpPr>
           <a:xfrm>
             <a:off x="348362" y="2238700"/>
-            <a:ext cx="3007615" cy="666226"/>
+            <a:ext cx="3007612" cy="666226"/>
             <a:chOff x="296223" y="745353"/>
-            <a:chExt cx="3007615" cy="666226"/>
+            <a:chExt cx="3007612" cy="666226"/>
           </a:xfrm>
         </p:grpSpPr>
         <p:sp>
@@ -6528,7 +6439,7 @@
           <p:spPr>
             <a:xfrm>
               <a:off x="296225" y="1011469"/>
-              <a:ext cx="3007613" cy="400110"/>
+              <a:ext cx="2568522" cy="400110"/>
             </a:xfrm>
             <a:prstGeom prst="rect">
               <a:avLst/>
@@ -6548,7 +6459,16 @@
                   <a:effectLst/>
                   <a:latin typeface="Menlo" panose="020B0609030804020204" pitchFamily="49" charset="0"/>
                 </a:rPr>
-                <a:t>docker build –t namespace/</a:t>
+                <a:t>docker build \</a:t>
+              </a:r>
+            </a:p>
+            <a:p>
+              <a:r>
+                <a:rPr lang="en-US" sz="1000" b="0" dirty="0">
+                  <a:effectLst/>
+                  <a:latin typeface="Menlo" panose="020B0609030804020204" pitchFamily="49" charset="0"/>
+                </a:rPr>
+                <a:t>–t namespace/</a:t>
               </a:r>
               <a:r>
                 <a:rPr lang="en-US" sz="1000" b="0" dirty="0" err="1">
@@ -6564,18 +6484,6 @@
                 </a:rPr>
                 <a:t> .</a:t>
               </a:r>
-            </a:p>
-            <a:p>
-              <a:r>
-                <a:rPr lang="en-US" sz="1000" dirty="0">
-                  <a:latin typeface="Menlo" panose="020B0609030804020204" pitchFamily="49" charset="0"/>
-                </a:rPr>
-                <a:t>docker push</a:t>
-              </a:r>
-              <a:endParaRPr lang="en-US" sz="1000" b="0" dirty="0">
-                <a:effectLst/>
-                <a:latin typeface="Menlo" panose="020B0609030804020204" pitchFamily="49" charset="0"/>
-              </a:endParaRPr>
             </a:p>
           </p:txBody>
         </p:sp>
@@ -6612,7 +6520,7 @@
                   <a:ea typeface="Menlo" panose="020B0609030804020204" pitchFamily="49" charset="0"/>
                   <a:cs typeface="Menlo" panose="020B0609030804020204" pitchFamily="49" charset="0"/>
                 </a:rPr>
-                <a:t>Build and push from Dockerfile</a:t>
+                <a:t>Build from Dockerfile</a:t>
               </a:r>
               <a:endParaRPr lang="en-CH" sz="1100" b="1" dirty="0"/>
             </a:p>
@@ -6926,7 +6834,7 @@
         </p:nvGrpSpPr>
         <p:grpSpPr>
           <a:xfrm>
-            <a:off x="2942212" y="6074716"/>
+            <a:off x="2916888" y="6360954"/>
             <a:ext cx="776437" cy="401775"/>
             <a:chOff x="8586895" y="5454465"/>
             <a:chExt cx="776437" cy="401775"/>
@@ -7105,7 +7013,7 @@
         </p:nvSpPr>
         <p:spPr>
           <a:xfrm>
-            <a:off x="303616" y="5683395"/>
+            <a:off x="286270" y="5727559"/>
             <a:ext cx="2374390" cy="938719"/>
           </a:xfrm>
           <a:prstGeom prst="rect">
@@ -7156,7 +7064,7 @@
             </a:r>
             <a:r>
               <a:rPr lang="en-CH" sz="1100" dirty="0"/>
-              <a:t> are developed by </a:t>
+              <a:t> are mainly developed by </a:t>
             </a:r>
             <a:r>
               <a:rPr lang="en-CH" sz="1100" dirty="0">
@@ -7202,8 +7110,8 @@
         </p:nvSpPr>
         <p:spPr>
           <a:xfrm>
-            <a:off x="2899996" y="3704646"/>
-            <a:ext cx="6002734" cy="261610"/>
+            <a:off x="4949990" y="4030387"/>
+            <a:ext cx="3638204" cy="430887"/>
           </a:xfrm>
           <a:prstGeom prst="rect">
             <a:avLst/>
@@ -7221,7 +7129,7 @@
                 <a:ea typeface="Menlo" panose="020B0609030804020204" pitchFamily="49" charset="0"/>
                 <a:cs typeface="Menlo" panose="020B0609030804020204" pitchFamily="49" charset="0"/>
               </a:rPr>
-              <a:t>The base images below have many different characteristics. Refer to their docs for a full overview. </a:t>
+              <a:t>The base images below have many different characteristics. Refer to their specifications for a full overview. </a:t>
             </a:r>
             <a:endParaRPr lang="en-CH" sz="1100" b="1" dirty="0"/>
           </a:p>
@@ -7241,8 +7149,8 @@
         </p:nvSpPr>
         <p:spPr>
           <a:xfrm>
-            <a:off x="3499945" y="2215903"/>
-            <a:ext cx="1767660" cy="938719"/>
+            <a:off x="4940950" y="3216042"/>
+            <a:ext cx="3919270" cy="430887"/>
           </a:xfrm>
           <a:prstGeom prst="rect">
             <a:avLst/>
@@ -7271,13 +7179,13 @@
           <a:p>
             <a:r>
               <a:rPr lang="en-CH" sz="1100" b="1" dirty="0"/>
-              <a:t>install2.r script</a:t>
+              <a:t>install2.r/install.r scripts</a:t>
             </a:r>
           </a:p>
           <a:p>
             <a:r>
               <a:rPr lang="en-CH" sz="1100" dirty="0"/>
-              <a:t>is a helper for installing  R packages from the </a:t>
+              <a:t>Helpers for installing R packages (</a:t>
             </a:r>
             <a:r>
               <a:rPr lang="en-CH" sz="1100" dirty="0">
@@ -7287,7 +7195,7 @@
             </a:r>
             <a:r>
               <a:rPr lang="en-CH" sz="1100" dirty="0"/>
-              <a:t> package.  Find all options </a:t>
+              <a:t> package). All options </a:t>
             </a:r>
             <a:r>
               <a:rPr lang="en-CH" sz="1100" dirty="0">
@@ -7316,8 +7224,8 @@
         </p:nvSpPr>
         <p:spPr>
           <a:xfrm>
-            <a:off x="3499945" y="827733"/>
-            <a:ext cx="1048133" cy="1277273"/>
+            <a:off x="3111693" y="731969"/>
+            <a:ext cx="1124408" cy="1277273"/>
           </a:xfrm>
           <a:prstGeom prst="rect">
             <a:avLst/>
@@ -7356,7 +7264,7 @@
           <a:p>
             <a:r>
               <a:rPr lang="en-CH" sz="1100" dirty="0"/>
-              <a:t>interacts with the system package manager, that often includes R packages</a:t>
+              <a:t>interacts with the system package manager, that usually includes R packages</a:t>
             </a:r>
           </a:p>
         </p:txBody>
@@ -7375,7 +7283,7 @@
         </p:nvSpPr>
         <p:spPr>
           <a:xfrm>
-            <a:off x="8476554" y="3437831"/>
+            <a:off x="8480881" y="3750732"/>
             <a:ext cx="1187680" cy="276999"/>
           </a:xfrm>
           <a:prstGeom prst="rect">
@@ -7421,8 +7329,8 @@
         </p:nvCxnSpPr>
         <p:spPr>
           <a:xfrm>
-            <a:off x="9070394" y="3714830"/>
-            <a:ext cx="0" cy="265389"/>
+            <a:off x="9074721" y="4027731"/>
+            <a:ext cx="0" cy="433543"/>
           </a:xfrm>
           <a:prstGeom prst="straightConnector1">
             <a:avLst/>
@@ -7466,8 +7374,8 @@
         </p:nvCxnSpPr>
         <p:spPr>
           <a:xfrm flipV="1">
-            <a:off x="9070394" y="3154622"/>
-            <a:ext cx="0" cy="283209"/>
+            <a:off x="9074721" y="3057614"/>
+            <a:ext cx="0" cy="693118"/>
           </a:xfrm>
           <a:prstGeom prst="straightConnector1">
             <a:avLst/>
@@ -7494,6 +7402,620 @@
           </a:fontRef>
         </p:style>
       </p:cxnSp>
+      <p:sp>
+        <p:nvSpPr>
+          <p:cNvPr id="61" name="TextBox 60">
+            <a:extLst>
+              <a:ext uri="{FF2B5EF4-FFF2-40B4-BE49-F238E27FC236}">
+                <a16:creationId xmlns:a16="http://schemas.microsoft.com/office/drawing/2014/main" id="{980D3D90-ED6D-6C95-76A1-EA4F24DC1118}"/>
+              </a:ext>
+            </a:extLst>
+          </p:cNvPr>
+          <p:cNvSpPr txBox="1"/>
+          <p:nvPr/>
+        </p:nvSpPr>
+        <p:spPr>
+          <a:xfrm>
+            <a:off x="289326" y="4635887"/>
+            <a:ext cx="3114113" cy="907941"/>
+          </a:xfrm>
+          <a:prstGeom prst="rect">
+            <a:avLst/>
+          </a:prstGeom>
+          <a:ln/>
+        </p:spPr>
+        <p:style>
+          <a:lnRef idx="2">
+            <a:schemeClr val="dk1"/>
+          </a:lnRef>
+          <a:fillRef idx="1">
+            <a:schemeClr val="lt1"/>
+          </a:fillRef>
+          <a:effectRef idx="0">
+            <a:schemeClr val="dk1"/>
+          </a:effectRef>
+          <a:fontRef idx="minor">
+            <a:schemeClr val="dk1"/>
+          </a:fontRef>
+        </p:style>
+        <p:txBody>
+          <a:bodyPr wrap="square" rtlCol="0">
+            <a:spAutoFit/>
+          </a:bodyPr>
+          <a:lstStyle/>
+          <a:p>
+            <a:r>
+              <a:rPr lang="en-CH" sz="1100" b="1" dirty="0"/>
+              <a:t>Reducing image size</a:t>
+            </a:r>
+          </a:p>
+          <a:p>
+            <a:r>
+              <a:rPr lang="en-CH" sz="1100" dirty="0"/>
+              <a:t>- Install2.r:</a:t>
+            </a:r>
+            <a:r>
+              <a:rPr lang="en-US" sz="900" dirty="0">
+                <a:latin typeface="Menlo" panose="020B0609030804020204" pitchFamily="49" charset="0"/>
+                <a:ea typeface="Menlo" panose="020B0609030804020204" pitchFamily="49" charset="0"/>
+                <a:cs typeface="Menlo" panose="020B0609030804020204" pitchFamily="49" charset="0"/>
+              </a:rPr>
+              <a:t> </a:t>
+            </a:r>
+            <a:r>
+              <a:rPr lang="en-US" sz="800" dirty="0">
+                <a:solidFill>
+                  <a:schemeClr val="tx1">
+                    <a:lumMod val="50000"/>
+                    <a:lumOff val="50000"/>
+                  </a:schemeClr>
+                </a:solidFill>
+                <a:latin typeface="Menlo" panose="020B0609030804020204" pitchFamily="49" charset="0"/>
+                <a:ea typeface="Menlo" panose="020B0609030804020204" pitchFamily="49" charset="0"/>
+                <a:cs typeface="Menlo" panose="020B0609030804020204" pitchFamily="49" charset="0"/>
+              </a:rPr>
+              <a:t>rm –rf /</a:t>
+            </a:r>
+            <a:r>
+              <a:rPr lang="en-US" sz="800" dirty="0" err="1">
+                <a:solidFill>
+                  <a:schemeClr val="tx1">
+                    <a:lumMod val="50000"/>
+                    <a:lumOff val="50000"/>
+                  </a:schemeClr>
+                </a:solidFill>
+                <a:latin typeface="Menlo" panose="020B0609030804020204" pitchFamily="49" charset="0"/>
+                <a:ea typeface="Menlo" panose="020B0609030804020204" pitchFamily="49" charset="0"/>
+                <a:cs typeface="Menlo" panose="020B0609030804020204" pitchFamily="49" charset="0"/>
+              </a:rPr>
+              <a:t>tmp</a:t>
+            </a:r>
+            <a:r>
+              <a:rPr lang="en-US" sz="800" dirty="0">
+                <a:solidFill>
+                  <a:schemeClr val="tx1">
+                    <a:lumMod val="50000"/>
+                    <a:lumOff val="50000"/>
+                  </a:schemeClr>
+                </a:solidFill>
+                <a:latin typeface="Menlo" panose="020B0609030804020204" pitchFamily="49" charset="0"/>
+                <a:ea typeface="Menlo" panose="020B0609030804020204" pitchFamily="49" charset="0"/>
+                <a:cs typeface="Menlo" panose="020B0609030804020204" pitchFamily="49" charset="0"/>
+              </a:rPr>
+              <a:t>/</a:t>
+            </a:r>
+            <a:r>
+              <a:rPr lang="en-US" sz="800" dirty="0" err="1">
+                <a:solidFill>
+                  <a:schemeClr val="tx1">
+                    <a:lumMod val="50000"/>
+                    <a:lumOff val="50000"/>
+                  </a:schemeClr>
+                </a:solidFill>
+                <a:latin typeface="Menlo" panose="020B0609030804020204" pitchFamily="49" charset="0"/>
+                <a:ea typeface="Menlo" panose="020B0609030804020204" pitchFamily="49" charset="0"/>
+                <a:cs typeface="Menlo" panose="020B0609030804020204" pitchFamily="49" charset="0"/>
+              </a:rPr>
+              <a:t>downloaded_packages</a:t>
+            </a:r>
+            <a:endParaRPr lang="en-US" sz="800" dirty="0">
+              <a:solidFill>
+                <a:schemeClr val="tx1">
+                  <a:lumMod val="50000"/>
+                  <a:lumOff val="50000"/>
+                </a:schemeClr>
+              </a:solidFill>
+              <a:latin typeface="Menlo" panose="020B0609030804020204" pitchFamily="49" charset="0"/>
+              <a:ea typeface="Menlo" panose="020B0609030804020204" pitchFamily="49" charset="0"/>
+              <a:cs typeface="Menlo" panose="020B0609030804020204" pitchFamily="49" charset="0"/>
+            </a:endParaRPr>
+          </a:p>
+          <a:p>
+            <a:r>
+              <a:rPr lang="en-US" sz="1100" dirty="0"/>
+              <a:t>- RSPM: </a:t>
+            </a:r>
+          </a:p>
+          <a:p>
+            <a:r>
+              <a:rPr lang="en-US" sz="800" dirty="0">
+                <a:solidFill>
+                  <a:schemeClr val="tx1">
+                    <a:lumMod val="50000"/>
+                    <a:lumOff val="50000"/>
+                  </a:schemeClr>
+                </a:solidFill>
+                <a:latin typeface="Menlo" panose="020B0609030804020204" pitchFamily="49" charset="0"/>
+                <a:ea typeface="Menlo" panose="020B0609030804020204" pitchFamily="49" charset="0"/>
+                <a:cs typeface="Menlo" panose="020B0609030804020204" pitchFamily="49" charset="0"/>
+              </a:rPr>
+              <a:t>strip /</a:t>
+            </a:r>
+            <a:r>
+              <a:rPr lang="en-US" sz="800" dirty="0" err="1">
+                <a:solidFill>
+                  <a:schemeClr val="tx1">
+                    <a:lumMod val="50000"/>
+                    <a:lumOff val="50000"/>
+                  </a:schemeClr>
+                </a:solidFill>
+                <a:latin typeface="Menlo" panose="020B0609030804020204" pitchFamily="49" charset="0"/>
+                <a:ea typeface="Menlo" panose="020B0609030804020204" pitchFamily="49" charset="0"/>
+                <a:cs typeface="Menlo" panose="020B0609030804020204" pitchFamily="49" charset="0"/>
+              </a:rPr>
+              <a:t>usr</a:t>
+            </a:r>
+            <a:r>
+              <a:rPr lang="en-US" sz="800" dirty="0">
+                <a:solidFill>
+                  <a:schemeClr val="tx1">
+                    <a:lumMod val="50000"/>
+                    <a:lumOff val="50000"/>
+                  </a:schemeClr>
+                </a:solidFill>
+                <a:latin typeface="Menlo" panose="020B0609030804020204" pitchFamily="49" charset="0"/>
+                <a:ea typeface="Menlo" panose="020B0609030804020204" pitchFamily="49" charset="0"/>
+                <a:cs typeface="Menlo" panose="020B0609030804020204" pitchFamily="49" charset="0"/>
+              </a:rPr>
+              <a:t>/local/lib/R/site-library/*/libs/*.so</a:t>
+            </a:r>
+          </a:p>
+          <a:p>
+            <a:r>
+              <a:rPr lang="en-US" sz="1100" dirty="0"/>
+              <a:t>- apt-get:</a:t>
+            </a:r>
+            <a:r>
+              <a:rPr lang="en-US" sz="1100" b="1" dirty="0"/>
+              <a:t> </a:t>
+            </a:r>
+            <a:r>
+              <a:rPr lang="en-US" sz="800" dirty="0">
+                <a:solidFill>
+                  <a:schemeClr val="tx1">
+                    <a:lumMod val="50000"/>
+                    <a:lumOff val="50000"/>
+                  </a:schemeClr>
+                </a:solidFill>
+                <a:latin typeface="Menlo" panose="020B0609030804020204" pitchFamily="49" charset="0"/>
+                <a:ea typeface="Menlo" panose="020B0609030804020204" pitchFamily="49" charset="0"/>
+                <a:cs typeface="Menlo" panose="020B0609030804020204" pitchFamily="49" charset="0"/>
+              </a:rPr>
+              <a:t>rm -rf /var/lib/apt/lists/*</a:t>
+            </a:r>
+            <a:endParaRPr lang="en-CH" sz="800" b="1" dirty="0">
+              <a:solidFill>
+                <a:schemeClr val="tx1">
+                  <a:lumMod val="50000"/>
+                  <a:lumOff val="50000"/>
+                </a:schemeClr>
+              </a:solidFill>
+              <a:latin typeface="Menlo" panose="020B0609030804020204" pitchFamily="49" charset="0"/>
+              <a:ea typeface="Menlo" panose="020B0609030804020204" pitchFamily="49" charset="0"/>
+              <a:cs typeface="Menlo" panose="020B0609030804020204" pitchFamily="49" charset="0"/>
+            </a:endParaRPr>
+          </a:p>
+        </p:txBody>
+      </p:sp>
+      <p:sp>
+        <p:nvSpPr>
+          <p:cNvPr id="107" name="TextBox 106">
+            <a:extLst>
+              <a:ext uri="{FF2B5EF4-FFF2-40B4-BE49-F238E27FC236}">
+                <a16:creationId xmlns:a16="http://schemas.microsoft.com/office/drawing/2014/main" id="{718BBF65-C5B4-637C-DE8A-FB98CA2EF57D}"/>
+              </a:ext>
+            </a:extLst>
+          </p:cNvPr>
+          <p:cNvSpPr txBox="1"/>
+          <p:nvPr/>
+        </p:nvSpPr>
+        <p:spPr>
+          <a:xfrm>
+            <a:off x="5133492" y="2197518"/>
+            <a:ext cx="2015671" cy="861774"/>
+          </a:xfrm>
+          <a:prstGeom prst="rect">
+            <a:avLst/>
+          </a:prstGeom>
+          <a:solidFill>
+            <a:schemeClr val="bg2"/>
+          </a:solidFill>
+        </p:spPr>
+        <p:txBody>
+          <a:bodyPr wrap="square" rtlCol="0">
+            <a:spAutoFit/>
+          </a:bodyPr>
+          <a:lstStyle/>
+          <a:p>
+            <a:r>
+              <a:rPr lang="en-US" sz="1000" b="0" dirty="0">
+                <a:solidFill>
+                  <a:srgbClr val="0000FF"/>
+                </a:solidFill>
+                <a:effectLst/>
+                <a:latin typeface="Menlo" panose="020B0609030804020204" pitchFamily="49" charset="0"/>
+              </a:rPr>
+              <a:t>FROM</a:t>
+            </a:r>
+            <a:r>
+              <a:rPr lang="en-US" sz="1000" b="0" dirty="0">
+                <a:solidFill>
+                  <a:srgbClr val="000000"/>
+                </a:solidFill>
+                <a:effectLst/>
+                <a:latin typeface="Menlo" panose="020B0609030804020204" pitchFamily="49" charset="0"/>
+              </a:rPr>
+              <a:t> rocker/r-bspm:f37</a:t>
+            </a:r>
+          </a:p>
+          <a:p>
+            <a:br>
+              <a:rPr lang="en-US" sz="1000" b="0" dirty="0">
+                <a:solidFill>
+                  <a:srgbClr val="000000"/>
+                </a:solidFill>
+                <a:effectLst/>
+                <a:latin typeface="Menlo" panose="020B0609030804020204" pitchFamily="49" charset="0"/>
+              </a:rPr>
+            </a:br>
+            <a:r>
+              <a:rPr lang="en-US" sz="1000" b="0" dirty="0">
+                <a:solidFill>
+                  <a:srgbClr val="0000FF"/>
+                </a:solidFill>
+                <a:effectLst/>
+                <a:latin typeface="Menlo" panose="020B0609030804020204" pitchFamily="49" charset="0"/>
+              </a:rPr>
+              <a:t>RUN</a:t>
+            </a:r>
+            <a:r>
+              <a:rPr lang="en-US" sz="1000" b="0" dirty="0">
+                <a:solidFill>
+                  <a:srgbClr val="000000"/>
+                </a:solidFill>
+                <a:effectLst/>
+                <a:latin typeface="Menlo" panose="020B0609030804020204" pitchFamily="49" charset="0"/>
+              </a:rPr>
+              <a:t> R -e </a:t>
+            </a:r>
+            <a:r>
+              <a:rPr lang="en-US" sz="1000" b="0" dirty="0">
+                <a:solidFill>
+                  <a:srgbClr val="0000FF"/>
+                </a:solidFill>
+                <a:effectLst/>
+                <a:latin typeface="Menlo" panose="020B0609030804020204" pitchFamily="49" charset="0"/>
+              </a:rPr>
+              <a:t>\ </a:t>
+            </a:r>
+            <a:r>
+              <a:rPr lang="en-US" sz="1000" b="0" dirty="0">
+                <a:solidFill>
+                  <a:srgbClr val="A31515"/>
+                </a:solidFill>
+                <a:effectLst/>
+                <a:latin typeface="Menlo" panose="020B0609030804020204" pitchFamily="49" charset="0"/>
+              </a:rPr>
+              <a:t>'</a:t>
+            </a:r>
+            <a:r>
+              <a:rPr lang="en-US" sz="1000" b="0" dirty="0" err="1">
+                <a:solidFill>
+                  <a:srgbClr val="A31515"/>
+                </a:solidFill>
+                <a:effectLst/>
+                <a:latin typeface="Menlo" panose="020B0609030804020204" pitchFamily="49" charset="0"/>
+              </a:rPr>
+              <a:t>install.packages</a:t>
+            </a:r>
+            <a:r>
+              <a:rPr lang="en-US" sz="1000" b="0" dirty="0">
+                <a:solidFill>
+                  <a:srgbClr val="A31515"/>
+                </a:solidFill>
+                <a:effectLst/>
+                <a:latin typeface="Menlo" panose="020B0609030804020204" pitchFamily="49" charset="0"/>
+              </a:rPr>
+              <a:t>("DT")'</a:t>
+            </a:r>
+            <a:endParaRPr lang="en-US" sz="1000" b="0" dirty="0">
+              <a:solidFill>
+                <a:srgbClr val="000000"/>
+              </a:solidFill>
+              <a:effectLst/>
+              <a:latin typeface="Menlo" panose="020B0609030804020204" pitchFamily="49" charset="0"/>
+            </a:endParaRPr>
+          </a:p>
+          <a:p>
+            <a:endParaRPr lang="en-US" sz="1000" dirty="0">
+              <a:solidFill>
+                <a:srgbClr val="A31515"/>
+              </a:solidFill>
+              <a:latin typeface="Menlo" panose="020B0609030804020204" pitchFamily="49" charset="0"/>
+            </a:endParaRPr>
+          </a:p>
+        </p:txBody>
+      </p:sp>
+      <p:pic>
+        <p:nvPicPr>
+          <p:cNvPr id="117" name="Picture 116" descr="Icon&#10;&#10;Description automatically generated">
+            <a:extLst>
+              <a:ext uri="{FF2B5EF4-FFF2-40B4-BE49-F238E27FC236}">
+                <a16:creationId xmlns:a16="http://schemas.microsoft.com/office/drawing/2014/main" id="{F88C4EC4-7D66-56E6-79E2-096998241456}"/>
+              </a:ext>
+            </a:extLst>
+          </p:cNvPr>
+          <p:cNvPicPr>
+            <a:picLocks noChangeAspect="1"/>
+          </p:cNvPicPr>
+          <p:nvPr/>
+        </p:nvPicPr>
+        <p:blipFill rotWithShape="1">
+          <a:blip r:embed="rId13"/>
+          <a:srcRect l="16544" b="69142"/>
+          <a:stretch/>
+        </p:blipFill>
+        <p:spPr>
+          <a:xfrm>
+            <a:off x="6255593" y="4855347"/>
+            <a:ext cx="282985" cy="105271"/>
+          </a:xfrm>
+          <a:prstGeom prst="rect">
+            <a:avLst/>
+          </a:prstGeom>
+        </p:spPr>
+      </p:pic>
+      <p:pic>
+        <p:nvPicPr>
+          <p:cNvPr id="123" name="Picture 122" descr="Icon&#10;&#10;Description automatically generated">
+            <a:extLst>
+              <a:ext uri="{FF2B5EF4-FFF2-40B4-BE49-F238E27FC236}">
+                <a16:creationId xmlns:a16="http://schemas.microsoft.com/office/drawing/2014/main" id="{1C7E61DB-A603-D709-04F6-8A0CB2CD0F61}"/>
+              </a:ext>
+            </a:extLst>
+          </p:cNvPr>
+          <p:cNvPicPr>
+            <a:picLocks noChangeAspect="1"/>
+          </p:cNvPicPr>
+          <p:nvPr/>
+        </p:nvPicPr>
+        <p:blipFill rotWithShape="1">
+          <a:blip r:embed="rId13"/>
+          <a:srcRect l="16544" b="69142"/>
+          <a:stretch/>
+        </p:blipFill>
+        <p:spPr>
+          <a:xfrm>
+            <a:off x="7269838" y="4860606"/>
+            <a:ext cx="282985" cy="105271"/>
+          </a:xfrm>
+          <a:prstGeom prst="rect">
+            <a:avLst/>
+          </a:prstGeom>
+        </p:spPr>
+      </p:pic>
+      <p:pic>
+        <p:nvPicPr>
+          <p:cNvPr id="124" name="Picture 123" descr="Icon&#10;&#10;Description automatically generated">
+            <a:extLst>
+              <a:ext uri="{FF2B5EF4-FFF2-40B4-BE49-F238E27FC236}">
+                <a16:creationId xmlns:a16="http://schemas.microsoft.com/office/drawing/2014/main" id="{22620378-D201-44E8-25D5-BF5D23117B2B}"/>
+              </a:ext>
+            </a:extLst>
+          </p:cNvPr>
+          <p:cNvPicPr>
+            <a:picLocks noChangeAspect="1"/>
+          </p:cNvPicPr>
+          <p:nvPr/>
+        </p:nvPicPr>
+        <p:blipFill rotWithShape="1">
+          <a:blip r:embed="rId13"/>
+          <a:srcRect l="16544" b="69142"/>
+          <a:stretch/>
+        </p:blipFill>
+        <p:spPr>
+          <a:xfrm>
+            <a:off x="8284083" y="4865865"/>
+            <a:ext cx="282985" cy="105271"/>
+          </a:xfrm>
+          <a:prstGeom prst="rect">
+            <a:avLst/>
+          </a:prstGeom>
+        </p:spPr>
+      </p:pic>
+      <p:pic>
+        <p:nvPicPr>
+          <p:cNvPr id="129" name="Picture 128" descr="Icon&#10;&#10;Description automatically generated">
+            <a:extLst>
+              <a:ext uri="{FF2B5EF4-FFF2-40B4-BE49-F238E27FC236}">
+                <a16:creationId xmlns:a16="http://schemas.microsoft.com/office/drawing/2014/main" id="{6B22C995-61A5-18C2-C2F1-049F18BC705E}"/>
+              </a:ext>
+            </a:extLst>
+          </p:cNvPr>
+          <p:cNvPicPr>
+            <a:picLocks noChangeAspect="1"/>
+          </p:cNvPicPr>
+          <p:nvPr/>
+        </p:nvPicPr>
+        <p:blipFill rotWithShape="1">
+          <a:blip r:embed="rId13"/>
+          <a:srcRect l="16544" b="69142"/>
+          <a:stretch/>
+        </p:blipFill>
+        <p:spPr>
+          <a:xfrm>
+            <a:off x="9298328" y="4871124"/>
+            <a:ext cx="282985" cy="105271"/>
+          </a:xfrm>
+          <a:prstGeom prst="rect">
+            <a:avLst/>
+          </a:prstGeom>
+        </p:spPr>
+      </p:pic>
+      <p:pic>
+        <p:nvPicPr>
+          <p:cNvPr id="130" name="Picture 129" descr="Icon&#10;&#10;Description automatically generated">
+            <a:extLst>
+              <a:ext uri="{FF2B5EF4-FFF2-40B4-BE49-F238E27FC236}">
+                <a16:creationId xmlns:a16="http://schemas.microsoft.com/office/drawing/2014/main" id="{82A93D36-BF4A-BCF8-7207-3372EFDAA635}"/>
+              </a:ext>
+            </a:extLst>
+          </p:cNvPr>
+          <p:cNvPicPr>
+            <a:picLocks noChangeAspect="1"/>
+          </p:cNvPicPr>
+          <p:nvPr/>
+        </p:nvPicPr>
+        <p:blipFill rotWithShape="1">
+          <a:blip r:embed="rId13"/>
+          <a:srcRect l="16544" b="69142"/>
+          <a:stretch/>
+        </p:blipFill>
+        <p:spPr>
+          <a:xfrm>
+            <a:off x="8667989" y="5130236"/>
+            <a:ext cx="282985" cy="105271"/>
+          </a:xfrm>
+          <a:prstGeom prst="rect">
+            <a:avLst/>
+          </a:prstGeom>
+        </p:spPr>
+      </p:pic>
+      <p:pic>
+        <p:nvPicPr>
+          <p:cNvPr id="131" name="Picture 130" descr="Icon&#10;&#10;Description automatically generated">
+            <a:extLst>
+              <a:ext uri="{FF2B5EF4-FFF2-40B4-BE49-F238E27FC236}">
+                <a16:creationId xmlns:a16="http://schemas.microsoft.com/office/drawing/2014/main" id="{21048769-CA73-6AE9-AAA7-5C4691636042}"/>
+              </a:ext>
+            </a:extLst>
+          </p:cNvPr>
+          <p:cNvPicPr>
+            <a:picLocks noChangeAspect="1"/>
+          </p:cNvPicPr>
+          <p:nvPr/>
+        </p:nvPicPr>
+        <p:blipFill rotWithShape="1">
+          <a:blip r:embed="rId13"/>
+          <a:srcRect l="16544" b="69142"/>
+          <a:stretch/>
+        </p:blipFill>
+        <p:spPr>
+          <a:xfrm>
+            <a:off x="7793539" y="5195526"/>
+            <a:ext cx="282985" cy="105271"/>
+          </a:xfrm>
+          <a:prstGeom prst="rect">
+            <a:avLst/>
+          </a:prstGeom>
+        </p:spPr>
+      </p:pic>
+      <p:grpSp>
+        <p:nvGrpSpPr>
+          <p:cNvPr id="134" name="Group 133">
+            <a:extLst>
+              <a:ext uri="{FF2B5EF4-FFF2-40B4-BE49-F238E27FC236}">
+                <a16:creationId xmlns:a16="http://schemas.microsoft.com/office/drawing/2014/main" id="{CDB24E52-E626-3659-DC32-109DEB7E3787}"/>
+              </a:ext>
+            </a:extLst>
+          </p:cNvPr>
+          <p:cNvGrpSpPr/>
+          <p:nvPr/>
+        </p:nvGrpSpPr>
+        <p:grpSpPr>
+          <a:xfrm>
+            <a:off x="3288682" y="4176230"/>
+            <a:ext cx="1434324" cy="430887"/>
+            <a:chOff x="3554298" y="4147800"/>
+            <a:chExt cx="1434324" cy="430887"/>
+          </a:xfrm>
+        </p:grpSpPr>
+        <p:sp>
+          <p:nvSpPr>
+            <p:cNvPr id="133" name="TextBox 132">
+              <a:extLst>
+                <a:ext uri="{FF2B5EF4-FFF2-40B4-BE49-F238E27FC236}">
+                  <a16:creationId xmlns:a16="http://schemas.microsoft.com/office/drawing/2014/main" id="{FC95A53E-9B4F-0E21-7FA4-34FF22D095E8}"/>
+                </a:ext>
+              </a:extLst>
+            </p:cNvPr>
+            <p:cNvSpPr txBox="1"/>
+            <p:nvPr/>
+          </p:nvSpPr>
+          <p:spPr>
+            <a:xfrm>
+              <a:off x="3554298" y="4147800"/>
+              <a:ext cx="1434324" cy="430887"/>
+            </a:xfrm>
+            <a:prstGeom prst="rect">
+              <a:avLst/>
+            </a:prstGeom>
+            <a:noFill/>
+          </p:spPr>
+          <p:txBody>
+            <a:bodyPr wrap="square" rtlCol="0">
+              <a:spAutoFit/>
+            </a:bodyPr>
+            <a:lstStyle/>
+            <a:p>
+              <a:pPr algn="r"/>
+              <a:r>
+                <a:rPr lang="en-CH" sz="1100" dirty="0"/>
+                <a:t>   : default bioconductor support</a:t>
+              </a:r>
+            </a:p>
+          </p:txBody>
+        </p:sp>
+        <p:pic>
+          <p:nvPicPr>
+            <p:cNvPr id="132" name="Picture 131" descr="Icon&#10;&#10;Description automatically generated">
+              <a:extLst>
+                <a:ext uri="{FF2B5EF4-FFF2-40B4-BE49-F238E27FC236}">
+                  <a16:creationId xmlns:a16="http://schemas.microsoft.com/office/drawing/2014/main" id="{A230540C-238E-D562-6E2B-C0FCFA057EBE}"/>
+                </a:ext>
+              </a:extLst>
+            </p:cNvPr>
+            <p:cNvPicPr>
+              <a:picLocks noChangeAspect="1"/>
+            </p:cNvPicPr>
+            <p:nvPr/>
+          </p:nvPicPr>
+          <p:blipFill rotWithShape="1">
+            <a:blip r:embed="rId13"/>
+            <a:srcRect l="16544" b="69142"/>
+            <a:stretch/>
+          </p:blipFill>
+          <p:spPr>
+            <a:xfrm>
+              <a:off x="4116697" y="4238006"/>
+              <a:ext cx="282985" cy="105271"/>
+            </a:xfrm>
+            <a:prstGeom prst="rect">
+              <a:avLst/>
+            </a:prstGeom>
+          </p:spPr>
+        </p:pic>
+      </p:grpSp>
     </p:spTree>
     <p:extLst>
       <p:ext uri="{BB962C8B-B14F-4D97-AF65-F5344CB8AC3E}">

--- a/r-docker-cheatsheet/r-docker-cheatsheet.pptx
+++ b/r-docker-cheatsheet/r-docker-cheatsheet.pptx
@@ -243,7 +243,7 @@
           <a:p>
             <a:fld id="{F8F8917B-B939-1947-B07A-F3414B25C0C5}" type="datetimeFigureOut">
               <a:rPr lang="en-CH" smtClean="0"/>
-              <a:t>07.04.23</a:t>
+              <a:t>24.04.23</a:t>
             </a:fld>
             <a:endParaRPr lang="en-CH"/>
           </a:p>
@@ -413,7 +413,7 @@
           <a:p>
             <a:fld id="{F8F8917B-B939-1947-B07A-F3414B25C0C5}" type="datetimeFigureOut">
               <a:rPr lang="en-CH" smtClean="0"/>
-              <a:t>07.04.23</a:t>
+              <a:t>24.04.23</a:t>
             </a:fld>
             <a:endParaRPr lang="en-CH"/>
           </a:p>
@@ -593,7 +593,7 @@
           <a:p>
             <a:fld id="{F8F8917B-B939-1947-B07A-F3414B25C0C5}" type="datetimeFigureOut">
               <a:rPr lang="en-CH" smtClean="0"/>
-              <a:t>07.04.23</a:t>
+              <a:t>24.04.23</a:t>
             </a:fld>
             <a:endParaRPr lang="en-CH"/>
           </a:p>
@@ -763,7 +763,7 @@
           <a:p>
             <a:fld id="{F8F8917B-B939-1947-B07A-F3414B25C0C5}" type="datetimeFigureOut">
               <a:rPr lang="en-CH" smtClean="0"/>
-              <a:t>07.04.23</a:t>
+              <a:t>24.04.23</a:t>
             </a:fld>
             <a:endParaRPr lang="en-CH"/>
           </a:p>
@@ -1007,7 +1007,7 @@
           <a:p>
             <a:fld id="{F8F8917B-B939-1947-B07A-F3414B25C0C5}" type="datetimeFigureOut">
               <a:rPr lang="en-CH" smtClean="0"/>
-              <a:t>07.04.23</a:t>
+              <a:t>24.04.23</a:t>
             </a:fld>
             <a:endParaRPr lang="en-CH"/>
           </a:p>
@@ -1239,7 +1239,7 @@
           <a:p>
             <a:fld id="{F8F8917B-B939-1947-B07A-F3414B25C0C5}" type="datetimeFigureOut">
               <a:rPr lang="en-CH" smtClean="0"/>
-              <a:t>07.04.23</a:t>
+              <a:t>24.04.23</a:t>
             </a:fld>
             <a:endParaRPr lang="en-CH"/>
           </a:p>
@@ -1606,7 +1606,7 @@
           <a:p>
             <a:fld id="{F8F8917B-B939-1947-B07A-F3414B25C0C5}" type="datetimeFigureOut">
               <a:rPr lang="en-CH" smtClean="0"/>
-              <a:t>07.04.23</a:t>
+              <a:t>24.04.23</a:t>
             </a:fld>
             <a:endParaRPr lang="en-CH"/>
           </a:p>
@@ -1724,7 +1724,7 @@
           <a:p>
             <a:fld id="{F8F8917B-B939-1947-B07A-F3414B25C0C5}" type="datetimeFigureOut">
               <a:rPr lang="en-CH" smtClean="0"/>
-              <a:t>07.04.23</a:t>
+              <a:t>24.04.23</a:t>
             </a:fld>
             <a:endParaRPr lang="en-CH"/>
           </a:p>
@@ -1819,7 +1819,7 @@
           <a:p>
             <a:fld id="{F8F8917B-B939-1947-B07A-F3414B25C0C5}" type="datetimeFigureOut">
               <a:rPr lang="en-CH" smtClean="0"/>
-              <a:t>07.04.23</a:t>
+              <a:t>24.04.23</a:t>
             </a:fld>
             <a:endParaRPr lang="en-CH"/>
           </a:p>
@@ -2096,7 +2096,7 @@
           <a:p>
             <a:fld id="{F8F8917B-B939-1947-B07A-F3414B25C0C5}" type="datetimeFigureOut">
               <a:rPr lang="en-CH" smtClean="0"/>
-              <a:t>07.04.23</a:t>
+              <a:t>24.04.23</a:t>
             </a:fld>
             <a:endParaRPr lang="en-CH"/>
           </a:p>
@@ -2353,7 +2353,7 @@
           <a:p>
             <a:fld id="{F8F8917B-B939-1947-B07A-F3414B25C0C5}" type="datetimeFigureOut">
               <a:rPr lang="en-CH" smtClean="0"/>
-              <a:t>07.04.23</a:t>
+              <a:t>24.04.23</a:t>
             </a:fld>
             <a:endParaRPr lang="en-CH"/>
           </a:p>
@@ -2566,7 +2566,7 @@
           <a:p>
             <a:fld id="{F8F8917B-B939-1947-B07A-F3414B25C0C5}" type="datetimeFigureOut">
               <a:rPr lang="en-CH" smtClean="0"/>
-              <a:t>07.04.23</a:t>
+              <a:t>24.04.23</a:t>
             </a:fld>
             <a:endParaRPr lang="en-CH"/>
           </a:p>
@@ -2986,14 +2986,14 @@
           <p:nvPr>
             <p:extLst>
               <p:ext uri="{D42A27DB-BD31-4B8C-83A1-F6EECF244321}">
-                <p14:modId xmlns:p14="http://schemas.microsoft.com/office/powerpoint/2010/main" val="1990669614"/>
+                <p14:modId xmlns:p14="http://schemas.microsoft.com/office/powerpoint/2010/main" val="1400018060"/>
               </p:ext>
             </p:extLst>
           </p:nvPr>
         </p:nvGraphicFramePr>
         <p:xfrm>
-          <a:off x="3683282" y="4463930"/>
-          <a:ext cx="5985278" cy="1213475"/>
+          <a:off x="3683282" y="4591024"/>
+          <a:ext cx="5985278" cy="1037836"/>
         </p:xfrm>
         <a:graphic>
           <a:graphicData uri="http://schemas.openxmlformats.org/drawingml/2006/table">
@@ -3046,190 +3046,7 @@
                 </a:gridCol>
               </a:tblGrid>
               <a:tr h="161889">
-                <a:tc rowSpan="2">
-                  <a:txBody>
-                    <a:bodyPr/>
-                    <a:lstStyle/>
-                    <a:p>
-                      <a:pPr algn="ctr" fontAlgn="t"/>
-                      <a:r>
-                        <a:rPr lang="en-CH" sz="1100" b="0" u="none" strike="noStrike" dirty="0">
-                          <a:solidFill>
-                            <a:srgbClr val="C00000"/>
-                          </a:solidFill>
-                          <a:effectLst/>
-                        </a:rPr>
-                        <a:t> </a:t>
-                      </a:r>
-                      <a:endParaRPr lang="en-CH" sz="1100" b="0" i="0" u="none" strike="noStrike" dirty="0">
-                        <a:solidFill>
-                          <a:srgbClr val="C00000"/>
-                        </a:solidFill>
-                        <a:effectLst/>
-                        <a:latin typeface="Arial" panose="020B0604020202020204" pitchFamily="34" charset="0"/>
-                      </a:endParaRPr>
-                    </a:p>
-                  </a:txBody>
-                  <a:tcPr marL="7999" marR="7999" marT="7999" marB="0">
-                    <a:lnL w="12700" cmpd="sng">
-                      <a:noFill/>
-                    </a:lnL>
-                    <a:lnR w="12700" cap="flat" cmpd="sng" algn="ctr">
-                      <a:solidFill>
-                        <a:schemeClr val="tx1"/>
-                      </a:solidFill>
-                      <a:prstDash val="solid"/>
-                      <a:round/>
-                      <a:headEnd type="none" w="med" len="med"/>
-                      <a:tailEnd type="none" w="med" len="med"/>
-                    </a:lnR>
-                    <a:lnT w="12700" cmpd="sng">
-                      <a:noFill/>
-                    </a:lnT>
-                    <a:lnB w="12700" cap="flat" cmpd="sng" algn="ctr">
-                      <a:solidFill>
-                        <a:schemeClr val="tx1"/>
-                      </a:solidFill>
-                      <a:prstDash val="solid"/>
-                      <a:round/>
-                      <a:headEnd type="none" w="med" len="med"/>
-                      <a:tailEnd type="none" w="med" len="med"/>
-                    </a:lnB>
-                    <a:lnTlToBr w="12700" cmpd="sng">
-                      <a:noFill/>
-                      <a:prstDash val="solid"/>
-                    </a:lnTlToBr>
-                    <a:lnBlToTr w="12700" cmpd="sng">
-                      <a:noFill/>
-                      <a:prstDash val="solid"/>
-                    </a:lnBlToTr>
-                  </a:tcPr>
-                </a:tc>
-                <a:tc gridSpan="4">
-                  <a:txBody>
-                    <a:bodyPr/>
-                    <a:lstStyle/>
-                    <a:p>
-                      <a:pPr algn="ctr" rtl="0" fontAlgn="ctr"/>
-                      <a:r>
-                        <a:rPr lang="en-US" sz="1100" b="0" i="0" u="none" strike="noStrike" dirty="0">
-                          <a:solidFill>
-                            <a:srgbClr val="000000"/>
-                          </a:solidFill>
-                          <a:effectLst/>
-                          <a:latin typeface="Calibri" panose="020F0502020204030204" pitchFamily="34" charset="0"/>
-                          <a:hlinkClick r:id="rId2"/>
-                        </a:rPr>
-                        <a:t>rocker</a:t>
-                      </a:r>
-                      <a:endParaRPr lang="en-US" sz="1100" b="0" i="0" u="none" strike="noStrike" dirty="0">
-                        <a:solidFill>
-                          <a:srgbClr val="000000"/>
-                        </a:solidFill>
-                        <a:effectLst/>
-                        <a:latin typeface="Calibri" panose="020F0502020204030204" pitchFamily="34" charset="0"/>
-                      </a:endParaRPr>
-                    </a:p>
-                  </a:txBody>
-                  <a:tcPr marL="7999" marR="7999" marT="7999" marB="0">
-                    <a:lnL w="12700" cap="flat" cmpd="sng" algn="ctr">
-                      <a:solidFill>
-                        <a:schemeClr val="tx1"/>
-                      </a:solidFill>
-                      <a:prstDash val="solid"/>
-                      <a:round/>
-                      <a:headEnd type="none" w="med" len="med"/>
-                      <a:tailEnd type="none" w="med" len="med"/>
-                    </a:lnL>
-                  </a:tcPr>
-                </a:tc>
-                <a:tc hMerge="1">
-                  <a:txBody>
-                    <a:bodyPr/>
-                    <a:lstStyle/>
-                    <a:p>
-                      <a:pPr algn="ctr" rtl="0" fontAlgn="ctr"/>
-                      <a:endParaRPr lang="en-US" sz="1100" b="1" i="0" u="none" strike="noStrike" dirty="0">
-                        <a:solidFill>
-                          <a:srgbClr val="000000"/>
-                        </a:solidFill>
-                        <a:effectLst/>
-                        <a:latin typeface="Calibri" panose="020F0502020204030204" pitchFamily="34" charset="0"/>
-                      </a:endParaRPr>
-                    </a:p>
-                  </a:txBody>
-                  <a:tcPr marL="7999" marR="7999" marT="7999" marB="0" anchor="ctr"/>
-                </a:tc>
-                <a:tc hMerge="1">
-                  <a:txBody>
-                    <a:bodyPr/>
-                    <a:lstStyle/>
-                    <a:p>
-                      <a:pPr algn="ctr" rtl="0" fontAlgn="ctr"/>
-                      <a:endParaRPr lang="en-US" sz="1100" b="1" i="0" u="none" strike="noStrike" dirty="0">
-                        <a:solidFill>
-                          <a:srgbClr val="000000"/>
-                        </a:solidFill>
-                        <a:effectLst/>
-                        <a:latin typeface="Calibri" panose="020F0502020204030204" pitchFamily="34" charset="0"/>
-                      </a:endParaRPr>
-                    </a:p>
-                  </a:txBody>
-                  <a:tcPr marL="7999" marR="7999" marT="7999" marB="0" anchor="ctr"/>
-                </a:tc>
-                <a:tc hMerge="1">
-                  <a:txBody>
-                    <a:bodyPr/>
-                    <a:lstStyle/>
-                    <a:p>
-                      <a:pPr algn="ctr" rtl="0" fontAlgn="ctr"/>
-                      <a:endParaRPr lang="en-US" sz="1100" b="1" i="0" u="none" strike="noStrike" dirty="0">
-                        <a:solidFill>
-                          <a:srgbClr val="000000"/>
-                        </a:solidFill>
-                        <a:effectLst/>
-                        <a:latin typeface="Calibri" panose="020F0502020204030204" pitchFamily="34" charset="0"/>
-                      </a:endParaRPr>
-                    </a:p>
-                  </a:txBody>
-                  <a:tcPr marL="7999" marR="7999" marT="7999" marB="0" anchor="ctr"/>
-                </a:tc>
                 <a:tc>
-                  <a:txBody>
-                    <a:bodyPr/>
-                    <a:lstStyle/>
-                    <a:p>
-                      <a:pPr algn="ctr" rtl="0" fontAlgn="ctr"/>
-                      <a:r>
-                        <a:rPr lang="en-US" sz="1100" b="0" i="0" u="none" strike="noStrike" dirty="0">
-                          <a:solidFill>
-                            <a:srgbClr val="000000"/>
-                          </a:solidFill>
-                          <a:effectLst/>
-                          <a:latin typeface="Calibri" panose="020F0502020204030204" pitchFamily="34" charset="0"/>
-                          <a:hlinkClick r:id="rId3"/>
-                        </a:rPr>
-                        <a:t>r2u</a:t>
-                      </a:r>
-                      <a:endParaRPr lang="en-US" sz="1100" b="0" i="0" u="none" strike="noStrike" dirty="0">
-                        <a:solidFill>
-                          <a:srgbClr val="000000"/>
-                        </a:solidFill>
-                        <a:effectLst/>
-                        <a:latin typeface="Calibri" panose="020F0502020204030204" pitchFamily="34" charset="0"/>
-                      </a:endParaRPr>
-                    </a:p>
-                  </a:txBody>
-                  <a:tcPr marL="7999" marR="7999" marT="7999" marB="0"/>
-                </a:tc>
-                <a:extLst>
-                  <a:ext uri="{0D108BD9-81ED-4DB2-BD59-A6C34878D82A}">
-                    <a16:rowId xmlns:a16="http://schemas.microsoft.com/office/drawing/2014/main" val="1212132924"/>
-                  </a:ext>
-                </a:extLst>
-              </a:tr>
-              <a:tr h="161889">
-                <a:tc vMerge="1">
                   <a:txBody>
                     <a:bodyPr/>
                     <a:lstStyle/>
@@ -3294,7 +3111,7 @@
                       <a:r>
                         <a:rPr lang="en-US" sz="1100" b="0" u="none" strike="noStrike" dirty="0">
                           <a:effectLst/>
-                          <a:hlinkClick r:id="rId4"/>
+                          <a:hlinkClick r:id="rId2"/>
                         </a:rPr>
                         <a:t>Versioned</a:t>
                       </a:r>
@@ -3328,7 +3145,7 @@
                       <a:r>
                         <a:rPr lang="en-US" sz="1100" b="0" u="none" strike="noStrike" dirty="0">
                           <a:effectLst/>
-                          <a:hlinkClick r:id="rId5"/>
+                          <a:hlinkClick r:id="rId3"/>
                         </a:rPr>
                         <a:t>Base</a:t>
                       </a:r>
@@ -3352,7 +3169,7 @@
                       <a:r>
                         <a:rPr lang="en-US" sz="1100" b="0" u="none" strike="noStrike" dirty="0">
                           <a:effectLst/>
-                          <a:hlinkClick r:id="rId6"/>
+                          <a:hlinkClick r:id="rId4"/>
                         </a:rPr>
                         <a:t>rocker/r-ubuntu</a:t>
                       </a:r>
@@ -3376,14 +3193,14 @@
                       <a:r>
                         <a:rPr lang="en-US" sz="1100" b="0" u="none" strike="noStrike" dirty="0">
                           <a:effectLst/>
-                          <a:hlinkClick r:id="rId6"/>
+                          <a:hlinkClick r:id="rId4"/>
                         </a:rPr>
                         <a:t>rocker/r-</a:t>
                       </a:r>
                       <a:r>
                         <a:rPr lang="en-US" sz="1100" b="0" u="none" strike="noStrike" dirty="0" err="1">
                           <a:effectLst/>
-                          <a:hlinkClick r:id="rId6"/>
+                          <a:hlinkClick r:id="rId4"/>
                         </a:rPr>
                         <a:t>bspm</a:t>
                       </a:r>
@@ -3421,19 +3238,6 @@
                         <a:defRPr/>
                       </a:pPr>
                       <a:r>
-                        <a:rPr lang="en-US" sz="1100" b="0" u="none" kern="1200" dirty="0" err="1">
-                          <a:solidFill>
-                            <a:schemeClr val="tx1"/>
-                          </a:solidFill>
-                          <a:effectLst/>
-                          <a:latin typeface="+mn-lt"/>
-                          <a:ea typeface="+mn-ea"/>
-                          <a:cs typeface="+mn-cs"/>
-                          <a:hlinkClick r:id="rId7"/>
-                        </a:rPr>
-                        <a:t>eddelbuettel</a:t>
-                      </a:r>
-                      <a:r>
                         <a:rPr lang="en-US" sz="1100" b="0" u="none" kern="1200" dirty="0">
                           <a:solidFill>
                             <a:schemeClr val="tx1"/>
@@ -3442,9 +3246,9 @@
                           <a:latin typeface="+mn-lt"/>
                           <a:ea typeface="+mn-ea"/>
                           <a:cs typeface="+mn-cs"/>
-                          <a:hlinkClick r:id="rId7"/>
+                          <a:hlinkClick r:id="rId5"/>
                         </a:rPr>
-                        <a:t>/r2u</a:t>
+                        <a:t>rocker/r2u</a:t>
                       </a:r>
                       <a:endParaRPr lang="en-US" sz="1100" b="0" u="none" kern="1200" dirty="0">
                         <a:solidFill>
@@ -4629,7 +4433,7 @@
             <a:pPr algn="ctr"/>
             <a:r>
               <a:rPr lang="en-CH" sz="1100" dirty="0"/>
-              <a:t>eddelbuettel/r2u</a:t>
+              <a:t>rocker/r2u</a:t>
             </a:r>
           </a:p>
           <a:p>
@@ -5044,14 +4848,13 @@
               <a:t> </a:t>
             </a:r>
             <a:r>
-              <a:rPr lang="en-US" sz="1000" b="0" dirty="0" err="1">
+              <a:rPr lang="en-US" sz="1000" dirty="0">
                 <a:solidFill>
                   <a:srgbClr val="000000"/>
                 </a:solidFill>
-                <a:effectLst/>
-                <a:latin typeface="Menlo" panose="020B0609030804020204" pitchFamily="49" charset="0"/>
-              </a:rPr>
-              <a:t>eddelbuettel</a:t>
+                <a:latin typeface="Menlo" panose="020B0609030804020204" pitchFamily="49" charset="0"/>
+              </a:rPr>
+              <a:t>rocker</a:t>
             </a:r>
             <a:r>
               <a:rPr lang="en-US" sz="1000" b="0" dirty="0">
@@ -5942,7 +5745,7 @@
         <p:spPr>
           <a:xfrm>
             <a:off x="275220" y="68406"/>
-            <a:ext cx="5936393" cy="369332"/>
+            <a:ext cx="6136090" cy="369332"/>
           </a:xfrm>
           <a:prstGeom prst="rect">
             <a:avLst/>
@@ -5964,7 +5767,7 @@
                 <a:ea typeface="Menlo" panose="020B0609030804020204" pitchFamily="49" charset="0"/>
                 <a:cs typeface="Menlo" panose="020B0609030804020204" pitchFamily="49" charset="0"/>
               </a:rPr>
-              <a:t>Cheatsheet:</a:t>
+              <a:t>Cheat sheet:</a:t>
             </a:r>
             <a:r>
               <a:rPr lang="en-CH" dirty="0">
@@ -6251,7 +6054,7 @@
                   <a:effectLst/>
                   <a:latin typeface="Menlo" panose="020B0609030804020204" pitchFamily="49" charset="0"/>
                 </a:rPr>
-                <a:t> –</a:t>
+                <a:t>–</a:t>
               </a:r>
               <a:r>
                 <a:rPr lang="en-US" sz="1000" dirty="0">
@@ -7048,7 +6851,7 @@
           <a:p>
             <a:r>
               <a:rPr lang="en-CH" sz="1100" dirty="0">
-                <a:hlinkClick r:id="rId2"/>
+                <a:hlinkClick r:id="rId6"/>
               </a:rPr>
               <a:t>Rocker</a:t>
             </a:r>
@@ -7058,7 +6861,7 @@
             </a:r>
             <a:r>
               <a:rPr lang="en-CH" sz="1100" dirty="0">
-                <a:hlinkClick r:id="rId3"/>
+                <a:hlinkClick r:id="rId5"/>
               </a:rPr>
               <a:t>r2u</a:t>
             </a:r>
@@ -7068,7 +6871,7 @@
             </a:r>
             <a:r>
               <a:rPr lang="en-CH" sz="1100" dirty="0">
-                <a:hlinkClick r:id="rId8"/>
+                <a:hlinkClick r:id="rId7"/>
               </a:rPr>
               <a:t>Carl Boettiger </a:t>
             </a:r>
@@ -7078,7 +6881,7 @@
             </a:r>
             <a:r>
               <a:rPr lang="en-CH" sz="1100" dirty="0">
-                <a:hlinkClick r:id="rId9"/>
+                <a:hlinkClick r:id="rId8"/>
               </a:rPr>
               <a:t>Dirk Eddelbuettel</a:t>
             </a:r>
@@ -7088,7 +6891,7 @@
             </a:r>
             <a:r>
               <a:rPr lang="en-CH" sz="1100" dirty="0">
-                <a:hlinkClick r:id="rId10"/>
+                <a:hlinkClick r:id="rId9"/>
               </a:rPr>
               <a:t>Geert van Geest</a:t>
             </a:r>
@@ -7110,8 +6913,8 @@
         </p:nvSpPr>
         <p:spPr>
           <a:xfrm>
-            <a:off x="4949990" y="4030387"/>
-            <a:ext cx="3638204" cy="430887"/>
+            <a:off x="4949989" y="4030387"/>
+            <a:ext cx="3717993" cy="430887"/>
           </a:xfrm>
           <a:prstGeom prst="rect">
             <a:avLst/>
@@ -7149,8 +6952,8 @@
         </p:nvSpPr>
         <p:spPr>
           <a:xfrm>
-            <a:off x="4940950" y="3216042"/>
-            <a:ext cx="3919270" cy="430887"/>
+            <a:off x="4940949" y="3216042"/>
+            <a:ext cx="4037029" cy="430887"/>
           </a:xfrm>
           <a:prstGeom prst="rect">
             <a:avLst/>
@@ -7189,7 +6992,7 @@
             </a:r>
             <a:r>
               <a:rPr lang="en-CH" sz="1100" dirty="0">
-                <a:hlinkClick r:id="rId11"/>
+                <a:hlinkClick r:id="rId10"/>
               </a:rPr>
               <a:t>littler</a:t>
             </a:r>
@@ -7199,7 +7002,7 @@
             </a:r>
             <a:r>
               <a:rPr lang="en-CH" sz="1100" dirty="0">
-                <a:hlinkClick r:id="rId12"/>
+                <a:hlinkClick r:id="rId11"/>
               </a:rPr>
               <a:t>here</a:t>
             </a:r>
@@ -7330,7 +7133,7 @@
         <p:spPr>
           <a:xfrm>
             <a:off x="9074721" y="4027731"/>
-            <a:ext cx="0" cy="433543"/>
+            <a:ext cx="0" cy="563293"/>
           </a:xfrm>
           <a:prstGeom prst="straightConnector1">
             <a:avLst/>
@@ -7771,13 +7574,13 @@
           <p:nvPr/>
         </p:nvPicPr>
         <p:blipFill rotWithShape="1">
-          <a:blip r:embed="rId13"/>
+          <a:blip r:embed="rId12"/>
           <a:srcRect l="16544" b="69142"/>
           <a:stretch/>
         </p:blipFill>
         <p:spPr>
           <a:xfrm>
-            <a:off x="6255593" y="4855347"/>
+            <a:off x="6255593" y="4803768"/>
             <a:ext cx="282985" cy="105271"/>
           </a:xfrm>
           <a:prstGeom prst="rect">
@@ -7800,13 +7603,13 @@
           <p:nvPr/>
         </p:nvPicPr>
         <p:blipFill rotWithShape="1">
-          <a:blip r:embed="rId13"/>
+          <a:blip r:embed="rId12"/>
           <a:srcRect l="16544" b="69142"/>
           <a:stretch/>
         </p:blipFill>
         <p:spPr>
           <a:xfrm>
-            <a:off x="7269838" y="4860606"/>
+            <a:off x="7269838" y="4798514"/>
             <a:ext cx="282985" cy="105271"/>
           </a:xfrm>
           <a:prstGeom prst="rect">
@@ -7829,13 +7632,13 @@
           <p:nvPr/>
         </p:nvPicPr>
         <p:blipFill rotWithShape="1">
-          <a:blip r:embed="rId13"/>
+          <a:blip r:embed="rId12"/>
           <a:srcRect l="16544" b="69142"/>
           <a:stretch/>
         </p:blipFill>
         <p:spPr>
           <a:xfrm>
-            <a:off x="8284083" y="4865865"/>
+            <a:off x="8284083" y="4803778"/>
             <a:ext cx="282985" cy="105271"/>
           </a:xfrm>
           <a:prstGeom prst="rect">
@@ -7858,13 +7661,13 @@
           <p:nvPr/>
         </p:nvPicPr>
         <p:blipFill rotWithShape="1">
-          <a:blip r:embed="rId13"/>
+          <a:blip r:embed="rId12"/>
           <a:srcRect l="16544" b="69142"/>
           <a:stretch/>
         </p:blipFill>
         <p:spPr>
           <a:xfrm>
-            <a:off x="9298328" y="4871124"/>
+            <a:off x="9298328" y="4809032"/>
             <a:ext cx="282985" cy="105271"/>
           </a:xfrm>
           <a:prstGeom prst="rect">
@@ -7887,13 +7690,13 @@
           <p:nvPr/>
         </p:nvPicPr>
         <p:blipFill rotWithShape="1">
-          <a:blip r:embed="rId13"/>
+          <a:blip r:embed="rId12"/>
           <a:srcRect l="16544" b="69142"/>
           <a:stretch/>
         </p:blipFill>
         <p:spPr>
           <a:xfrm>
-            <a:off x="8667989" y="5130236"/>
+            <a:off x="8667989" y="5078658"/>
             <a:ext cx="282985" cy="105271"/>
           </a:xfrm>
           <a:prstGeom prst="rect">
@@ -7916,13 +7719,13 @@
           <p:nvPr/>
         </p:nvPicPr>
         <p:blipFill rotWithShape="1">
-          <a:blip r:embed="rId13"/>
+          <a:blip r:embed="rId12"/>
           <a:srcRect l="16544" b="69142"/>
           <a:stretch/>
         </p:blipFill>
         <p:spPr>
           <a:xfrm>
-            <a:off x="7793539" y="5195526"/>
+            <a:off x="7793539" y="5154457"/>
             <a:ext cx="282985" cy="105271"/>
           </a:xfrm>
           <a:prstGeom prst="rect">
@@ -8001,7 +7804,7 @@
             <p:nvPr/>
           </p:nvPicPr>
           <p:blipFill rotWithShape="1">
-            <a:blip r:embed="rId13"/>
+            <a:blip r:embed="rId12"/>
             <a:srcRect l="16544" b="69142"/>
             <a:stretch/>
           </p:blipFill>

--- a/r-docker-cheatsheet/r-docker-cheatsheet.pptx
+++ b/r-docker-cheatsheet/r-docker-cheatsheet.pptx
@@ -6887,7 +6887,15 @@
             </a:r>
             <a:r>
               <a:rPr lang="en-CH" sz="1100" dirty="0"/>
-              <a:t>. This cheatsheet was created by </a:t>
+              <a:t>. </a:t>
+            </a:r>
+            <a:r>
+              <a:rPr lang="en-CH" sz="1100"/>
+              <a:t>This cheat sheet </a:t>
+            </a:r>
+            <a:r>
+              <a:rPr lang="en-CH" sz="1100" dirty="0"/>
+              <a:t>was created by </a:t>
             </a:r>
             <a:r>
               <a:rPr lang="en-CH" sz="1100" dirty="0">
